--- a/Syllabus/Lecture02/Lec02.pptx
+++ b/Syllabus/Lecture02/Lec02.pptx
@@ -5,10 +5,10 @@
     <p:sldMasterId id="2147483664" r:id="rId1"/>
   </p:sldMasterIdLst>
   <p:notesMasterIdLst>
-    <p:notesMasterId r:id="rId45"/>
+    <p:notesMasterId r:id="rId48"/>
   </p:notesMasterIdLst>
   <p:handoutMasterIdLst>
-    <p:handoutMasterId r:id="rId46"/>
+    <p:handoutMasterId r:id="rId49"/>
   </p:handoutMasterIdLst>
   <p:sldIdLst>
     <p:sldId id="266" r:id="rId2"/>
@@ -32,28 +32,31 @@
     <p:sldId id="344" r:id="rId20"/>
     <p:sldId id="325" r:id="rId21"/>
     <p:sldId id="328" r:id="rId22"/>
-    <p:sldId id="327" r:id="rId23"/>
-    <p:sldId id="350" r:id="rId24"/>
-    <p:sldId id="349" r:id="rId25"/>
-    <p:sldId id="351" r:id="rId26"/>
-    <p:sldId id="352" r:id="rId27"/>
-    <p:sldId id="353" r:id="rId28"/>
-    <p:sldId id="354" r:id="rId29"/>
-    <p:sldId id="348" r:id="rId30"/>
-    <p:sldId id="330" r:id="rId31"/>
-    <p:sldId id="329" r:id="rId32"/>
-    <p:sldId id="332" r:id="rId33"/>
-    <p:sldId id="333" r:id="rId34"/>
-    <p:sldId id="355" r:id="rId35"/>
-    <p:sldId id="334" r:id="rId36"/>
-    <p:sldId id="336" r:id="rId37"/>
-    <p:sldId id="338" r:id="rId38"/>
-    <p:sldId id="339" r:id="rId39"/>
-    <p:sldId id="341" r:id="rId40"/>
-    <p:sldId id="343" r:id="rId41"/>
-    <p:sldId id="342" r:id="rId42"/>
-    <p:sldId id="290" r:id="rId43"/>
-    <p:sldId id="345" r:id="rId44"/>
+    <p:sldId id="358" r:id="rId23"/>
+    <p:sldId id="327" r:id="rId24"/>
+    <p:sldId id="357" r:id="rId25"/>
+    <p:sldId id="350" r:id="rId26"/>
+    <p:sldId id="356" r:id="rId27"/>
+    <p:sldId id="349" r:id="rId28"/>
+    <p:sldId id="351" r:id="rId29"/>
+    <p:sldId id="352" r:id="rId30"/>
+    <p:sldId id="353" r:id="rId31"/>
+    <p:sldId id="354" r:id="rId32"/>
+    <p:sldId id="348" r:id="rId33"/>
+    <p:sldId id="330" r:id="rId34"/>
+    <p:sldId id="329" r:id="rId35"/>
+    <p:sldId id="332" r:id="rId36"/>
+    <p:sldId id="333" r:id="rId37"/>
+    <p:sldId id="355" r:id="rId38"/>
+    <p:sldId id="334" r:id="rId39"/>
+    <p:sldId id="336" r:id="rId40"/>
+    <p:sldId id="338" r:id="rId41"/>
+    <p:sldId id="339" r:id="rId42"/>
+    <p:sldId id="341" r:id="rId43"/>
+    <p:sldId id="343" r:id="rId44"/>
+    <p:sldId id="342" r:id="rId45"/>
+    <p:sldId id="290" r:id="rId46"/>
+    <p:sldId id="345" r:id="rId47"/>
   </p:sldIdLst>
   <p:sldSz cx="12192000" cy="6858000"/>
   <p:notesSz cx="6858000" cy="9144000"/>
@@ -178,8 +181,11 @@
             <p14:sldId id="344"/>
             <p14:sldId id="325"/>
             <p14:sldId id="328"/>
+            <p14:sldId id="358"/>
             <p14:sldId id="327"/>
+            <p14:sldId id="357"/>
             <p14:sldId id="350"/>
+            <p14:sldId id="356"/>
             <p14:sldId id="349"/>
             <p14:sldId id="351"/>
             <p14:sldId id="352"/>
@@ -319,7 +325,7 @@
           <a:p>
             <a:fld id="{DF9C6931-D0F6-AB40-9D7F-95567148A5C2}" type="datetimeFigureOut">
               <a:rPr lang="en-US" smtClean="0"/>
-              <a:t>9/6/22</a:t>
+              <a:t>8/31/23</a:t>
             </a:fld>
             <a:endParaRPr lang="en-US"/>
           </a:p>
@@ -496,7 +502,7 @@
           <a:p>
             <a:fld id="{736C18F2-6801-5147-A332-A6E1C7D69D18}" type="datetimeFigureOut">
               <a:rPr lang="en-US" smtClean="0"/>
-              <a:t>9/6/22</a:t>
+              <a:t>8/31/23</a:t>
             </a:fld>
             <a:endParaRPr lang="en-US"/>
           </a:p>
@@ -2205,7 +2211,7 @@
     </p:spTree>
     <p:extLst>
       <p:ext uri="{BB962C8B-B14F-4D97-AF65-F5344CB8AC3E}">
-        <p14:creationId xmlns:p14="http://schemas.microsoft.com/office/powerpoint/2010/main" val="644359"/>
+        <p14:creationId xmlns:p14="http://schemas.microsoft.com/office/powerpoint/2010/main" val="3745443532"/>
       </p:ext>
     </p:extLst>
   </p:cSld>
@@ -2298,23 +2304,115 @@
           </a:bodyPr>
           <a:lstStyle/>
           <a:p>
-            <a:pPr marL="0" lvl="0" indent="0" algn="l" rtl="0">
-              <a:spcBef>
-                <a:spcPts val="0"/>
-              </a:spcBef>
-              <a:spcAft>
-                <a:spcPts val="0"/>
-              </a:spcAft>
-              <a:buNone/>
-            </a:pPr>
-            <a:endParaRPr lang="en-US" dirty="0"/>
+            <a:pPr algn="l">
+              <a:buFont typeface="+mj-lt"/>
+              <a:buAutoNum type="arabicPeriod"/>
+            </a:pPr>
+            <a:r>
+              <a:rPr lang="en-US" b="1" i="0" dirty="0">
+                <a:solidFill>
+                  <a:srgbClr val="374151"/>
+                </a:solidFill>
+                <a:effectLst/>
+                <a:latin typeface="Söhne"/>
+              </a:rPr>
+              <a:t>Supervised Learning</a:t>
+            </a:r>
+            <a:r>
+              <a:rPr lang="en-US" b="0" i="0" dirty="0">
+                <a:solidFill>
+                  <a:srgbClr val="374151"/>
+                </a:solidFill>
+                <a:effectLst/>
+                <a:latin typeface="Söhne"/>
+              </a:rPr>
+              <a:t>: Movie Recommendation System, Predicting House Prices, Identifying Customers Who Might Churn.</a:t>
+            </a:r>
+          </a:p>
+          <a:p>
+            <a:pPr algn="l">
+              <a:buFont typeface="+mj-lt"/>
+              <a:buAutoNum type="arabicPeriod"/>
+            </a:pPr>
+            <a:r>
+              <a:rPr lang="en-US" b="1" i="0" dirty="0">
+                <a:solidFill>
+                  <a:srgbClr val="374151"/>
+                </a:solidFill>
+                <a:effectLst/>
+                <a:latin typeface="Söhne"/>
+              </a:rPr>
+              <a:t>Unsupervised Learning</a:t>
+            </a:r>
+            <a:r>
+              <a:rPr lang="en-US" b="0" i="0" dirty="0">
+                <a:solidFill>
+                  <a:srgbClr val="374151"/>
+                </a:solidFill>
+                <a:effectLst/>
+                <a:latin typeface="Söhne"/>
+              </a:rPr>
+              <a:t>: Customer Segmentation for a Supermarket, Image Compression, Identifying Topics in News Articles.</a:t>
+            </a:r>
+          </a:p>
+          <a:p>
+            <a:pPr algn="l">
+              <a:buFont typeface="+mj-lt"/>
+              <a:buAutoNum type="arabicPeriod"/>
+            </a:pPr>
+            <a:r>
+              <a:rPr lang="en-US" b="1" i="0" dirty="0">
+                <a:solidFill>
+                  <a:srgbClr val="374151"/>
+                </a:solidFill>
+                <a:effectLst/>
+                <a:latin typeface="Söhne"/>
+              </a:rPr>
+              <a:t>Anomaly Detection</a:t>
+            </a:r>
+            <a:r>
+              <a:rPr lang="en-US" b="0" i="0" dirty="0">
+                <a:solidFill>
+                  <a:srgbClr val="374151"/>
+                </a:solidFill>
+                <a:effectLst/>
+                <a:latin typeface="Söhne"/>
+              </a:rPr>
+              <a:t>: Credit Card Fraud Detection, Detecting Manufacturing Defects.</a:t>
+            </a:r>
+          </a:p>
+          <a:p>
+            <a:pPr algn="l">
+              <a:buFont typeface="+mj-lt"/>
+              <a:buAutoNum type="arabicPeriod"/>
+            </a:pPr>
+            <a:r>
+              <a:rPr lang="en-US" b="1" i="0" dirty="0">
+                <a:solidFill>
+                  <a:srgbClr val="374151"/>
+                </a:solidFill>
+                <a:effectLst/>
+                <a:latin typeface="Söhne"/>
+              </a:rPr>
+              <a:t>Reinforcement Learning</a:t>
+            </a:r>
+            <a:r>
+              <a:rPr lang="en-US" b="0" i="0" dirty="0">
+                <a:solidFill>
+                  <a:srgbClr val="374151"/>
+                </a:solidFill>
+                <a:effectLst/>
+                <a:latin typeface="Söhne"/>
+              </a:rPr>
+              <a:t>: Playing Chess Against a Computer, Self-driving Car.</a:t>
+            </a:r>
           </a:p>
         </p:txBody>
       </p:sp>
     </p:spTree>
     <p:extLst>
       <p:ext uri="{BB962C8B-B14F-4D97-AF65-F5344CB8AC3E}">
-        <p14:creationId xmlns:p14="http://schemas.microsoft.com/office/powerpoint/2010/main" val="222933570"/>
+        <p14:creationId xmlns:p14="http://schemas.microsoft.com/office/powerpoint/2010/main" val="644359"/>
       </p:ext>
     </p:extLst>
   </p:cSld>
@@ -2423,7 +2521,7 @@
     </p:spTree>
     <p:extLst>
       <p:ext uri="{BB962C8B-B14F-4D97-AF65-F5344CB8AC3E}">
-        <p14:creationId xmlns:p14="http://schemas.microsoft.com/office/powerpoint/2010/main" val="1780732841"/>
+        <p14:creationId xmlns:p14="http://schemas.microsoft.com/office/powerpoint/2010/main" val="3499491122"/>
       </p:ext>
     </p:extLst>
   </p:cSld>
@@ -2532,7 +2630,7 @@
     </p:spTree>
     <p:extLst>
       <p:ext uri="{BB962C8B-B14F-4D97-AF65-F5344CB8AC3E}">
-        <p14:creationId xmlns:p14="http://schemas.microsoft.com/office/powerpoint/2010/main" val="690885595"/>
+        <p14:creationId xmlns:p14="http://schemas.microsoft.com/office/powerpoint/2010/main" val="222933570"/>
       </p:ext>
     </p:extLst>
   </p:cSld>
@@ -2625,23 +2723,165 @@
           </a:bodyPr>
           <a:lstStyle/>
           <a:p>
-            <a:pPr marL="0" lvl="0" indent="0" algn="l" rtl="0">
-              <a:spcBef>
-                <a:spcPts val="0"/>
-              </a:spcBef>
-              <a:spcAft>
-                <a:spcPts val="0"/>
-              </a:spcAft>
-              <a:buNone/>
-            </a:pPr>
-            <a:endParaRPr lang="en-US" dirty="0"/>
+            <a:pPr algn="l"/>
+            <a:r>
+              <a:rPr lang="en-US" b="1" i="0" dirty="0">
+                <a:solidFill>
+                  <a:srgbClr val="374151"/>
+                </a:solidFill>
+                <a:effectLst/>
+                <a:latin typeface="Söhne"/>
+              </a:rPr>
+              <a:t>Naive Bayes is like your brain's internal process when making that guess.</a:t>
+            </a:r>
+            <a:endParaRPr lang="en-US" b="0" i="0" dirty="0">
+              <a:solidFill>
+                <a:srgbClr val="374151"/>
+              </a:solidFill>
+              <a:effectLst/>
+              <a:latin typeface="Söhne"/>
+            </a:endParaRPr>
+          </a:p>
+          <a:p>
+            <a:pPr algn="l">
+              <a:buFont typeface="+mj-lt"/>
+              <a:buAutoNum type="arabicPeriod"/>
+            </a:pPr>
+            <a:r>
+              <a:rPr lang="en-US" b="1" i="0" dirty="0">
+                <a:solidFill>
+                  <a:srgbClr val="374151"/>
+                </a:solidFill>
+                <a:effectLst/>
+                <a:latin typeface="Söhne"/>
+              </a:rPr>
+              <a:t>Prior Knowledge</a:t>
+            </a:r>
+            <a:r>
+              <a:rPr lang="en-US" b="0" i="0" dirty="0">
+                <a:solidFill>
+                  <a:srgbClr val="374151"/>
+                </a:solidFill>
+                <a:effectLst/>
+                <a:latin typeface="Söhne"/>
+              </a:rPr>
+              <a:t>: You know from past experiences (or based on the fruits you saw before closing your eyes) how many of each fruit are generally in the basket. This is your base rate or prior probability. For instance, if half of the fruits you've seen in your life were apples, then, without any other information, there's a 50% chance any given fruit you pick is an apple.</a:t>
+            </a:r>
+          </a:p>
+          <a:p>
+            <a:pPr algn="l">
+              <a:buFont typeface="+mj-lt"/>
+              <a:buAutoNum type="arabicPeriod"/>
+            </a:pPr>
+            <a:r>
+              <a:rPr lang="en-US" b="1" i="0" dirty="0">
+                <a:solidFill>
+                  <a:srgbClr val="374151"/>
+                </a:solidFill>
+                <a:effectLst/>
+                <a:latin typeface="Söhne"/>
+              </a:rPr>
+              <a:t>Feature Evidence</a:t>
+            </a:r>
+            <a:r>
+              <a:rPr lang="en-US" b="0" i="0" dirty="0">
+                <a:solidFill>
+                  <a:srgbClr val="374151"/>
+                </a:solidFill>
+                <a:effectLst/>
+                <a:latin typeface="Söhne"/>
+              </a:rPr>
+              <a:t>: Now, consider the fruit's features. If the fruit feels round and smooth, it might be an apple or an orange but likely not a banana. If it smells citrusy, it's probably an orange. Each of these features gives you evidence to update your guess.</a:t>
+            </a:r>
+          </a:p>
+          <a:p>
+            <a:pPr algn="l">
+              <a:buFont typeface="+mj-lt"/>
+              <a:buAutoNum type="arabicPeriod"/>
+            </a:pPr>
+            <a:r>
+              <a:rPr lang="en-US" b="1" i="0" dirty="0">
+                <a:solidFill>
+                  <a:srgbClr val="374151"/>
+                </a:solidFill>
+                <a:effectLst/>
+                <a:latin typeface="Söhne"/>
+              </a:rPr>
+              <a:t>Combining Information</a:t>
+            </a:r>
+            <a:r>
+              <a:rPr lang="en-US" b="0" i="0" dirty="0">
+                <a:solidFill>
+                  <a:srgbClr val="374151"/>
+                </a:solidFill>
+                <a:effectLst/>
+                <a:latin typeface="Söhne"/>
+              </a:rPr>
+              <a:t>: Naive Bayes combines your prior knowledge with the feature evidence to give a more informed guess about the fruit's identity.</a:t>
+            </a:r>
+          </a:p>
+          <a:p>
+            <a:pPr algn="l">
+              <a:buFont typeface="+mj-lt"/>
+              <a:buAutoNum type="arabicPeriod"/>
+            </a:pPr>
+            <a:r>
+              <a:rPr lang="en-US" b="1" i="0" dirty="0">
+                <a:solidFill>
+                  <a:srgbClr val="374151"/>
+                </a:solidFill>
+                <a:effectLst/>
+                <a:latin typeface="Söhne"/>
+              </a:rPr>
+              <a:t>"Naive" Assumption</a:t>
+            </a:r>
+            <a:r>
+              <a:rPr lang="en-US" b="0" i="0" dirty="0">
+                <a:solidFill>
+                  <a:srgbClr val="374151"/>
+                </a:solidFill>
+                <a:effectLst/>
+                <a:latin typeface="Söhne"/>
+              </a:rPr>
+              <a:t>: The "naive" part is because the algorithm assumes each feature (like shape or smell) is independent of the other. In our example, it would mean the shape of the fruit doesn't affect its smell, which might not always be true, but this simplification often works surprisingly well in practice.</a:t>
+            </a:r>
+          </a:p>
+          <a:p>
+            <a:pPr algn="l"/>
+            <a:r>
+              <a:rPr lang="en-US" b="0" i="0" dirty="0">
+                <a:solidFill>
+                  <a:srgbClr val="374151"/>
+                </a:solidFill>
+                <a:effectLst/>
+                <a:latin typeface="Söhne"/>
+              </a:rPr>
+              <a:t>In summary, </a:t>
+            </a:r>
+            <a:r>
+              <a:rPr lang="en-US" b="1" i="0" dirty="0">
+                <a:solidFill>
+                  <a:srgbClr val="374151"/>
+                </a:solidFill>
+                <a:effectLst/>
+                <a:latin typeface="Söhne"/>
+              </a:rPr>
+              <a:t>Naive Bayes uses prior knowledge and feature evidence to make educated guesses, while simplifying things by treating each feature as independent.</a:t>
+            </a:r>
+            <a:endParaRPr lang="en-US" b="0" i="0" dirty="0">
+              <a:solidFill>
+                <a:srgbClr val="374151"/>
+              </a:solidFill>
+              <a:effectLst/>
+              <a:latin typeface="Söhne"/>
+            </a:endParaRPr>
           </a:p>
         </p:txBody>
       </p:sp>
     </p:spTree>
     <p:extLst>
       <p:ext uri="{BB962C8B-B14F-4D97-AF65-F5344CB8AC3E}">
-        <p14:creationId xmlns:p14="http://schemas.microsoft.com/office/powerpoint/2010/main" val="205246269"/>
+        <p14:creationId xmlns:p14="http://schemas.microsoft.com/office/powerpoint/2010/main" val="1840587777"/>
       </p:ext>
     </p:extLst>
   </p:cSld>
@@ -2750,7 +2990,7 @@
     </p:spTree>
     <p:extLst>
       <p:ext uri="{BB962C8B-B14F-4D97-AF65-F5344CB8AC3E}">
-        <p14:creationId xmlns:p14="http://schemas.microsoft.com/office/powerpoint/2010/main" val="3283904411"/>
+        <p14:creationId xmlns:p14="http://schemas.microsoft.com/office/powerpoint/2010/main" val="1780732841"/>
       </p:ext>
     </p:extLst>
   </p:cSld>
@@ -2843,22 +3083,14 @@
           </a:bodyPr>
           <a:lstStyle/>
           <a:p>
-            <a:pPr marL="0" marR="0" lvl="0" indent="0" algn="l" defTabSz="609585" rtl="0" eaLnBrk="1" fontAlgn="auto" latinLnBrk="0" hangingPunct="1">
-              <a:lnSpc>
-                <a:spcPct val="100000"/>
-              </a:lnSpc>
+            <a:pPr marL="0" lvl="0" indent="0" algn="l" rtl="0">
               <a:spcBef>
                 <a:spcPts val="0"/>
               </a:spcBef>
               <a:spcAft>
                 <a:spcPts val="0"/>
               </a:spcAft>
-              <a:buClrTx/>
-              <a:buSzTx/>
-              <a:buFontTx/>
               <a:buNone/>
-              <a:tabLst/>
-              <a:defRPr/>
             </a:pPr>
             <a:endParaRPr lang="en-US" dirty="0"/>
           </a:p>
@@ -2867,7 +3099,7 @@
     </p:spTree>
     <p:extLst>
       <p:ext uri="{BB962C8B-B14F-4D97-AF65-F5344CB8AC3E}">
-        <p14:creationId xmlns:p14="http://schemas.microsoft.com/office/powerpoint/2010/main" val="3079414395"/>
+        <p14:creationId xmlns:p14="http://schemas.microsoft.com/office/powerpoint/2010/main" val="690885595"/>
       </p:ext>
     </p:extLst>
   </p:cSld>
@@ -2976,7 +3208,7 @@
     </p:spTree>
     <p:extLst>
       <p:ext uri="{BB962C8B-B14F-4D97-AF65-F5344CB8AC3E}">
-        <p14:creationId xmlns:p14="http://schemas.microsoft.com/office/powerpoint/2010/main" val="1627882378"/>
+        <p14:creationId xmlns:p14="http://schemas.microsoft.com/office/powerpoint/2010/main" val="205246269"/>
       </p:ext>
     </p:extLst>
   </p:cSld>
@@ -3085,7 +3317,7 @@
     </p:spTree>
     <p:extLst>
       <p:ext uri="{BB962C8B-B14F-4D97-AF65-F5344CB8AC3E}">
-        <p14:creationId xmlns:p14="http://schemas.microsoft.com/office/powerpoint/2010/main" val="104545633"/>
+        <p14:creationId xmlns:p14="http://schemas.microsoft.com/office/powerpoint/2010/main" val="3283904411"/>
       </p:ext>
     </p:extLst>
   </p:cSld>
@@ -3202,7 +3434,7 @@
     </p:spTree>
     <p:extLst>
       <p:ext uri="{BB962C8B-B14F-4D97-AF65-F5344CB8AC3E}">
-        <p14:creationId xmlns:p14="http://schemas.microsoft.com/office/powerpoint/2010/main" val="3935206571"/>
+        <p14:creationId xmlns:p14="http://schemas.microsoft.com/office/powerpoint/2010/main" val="3079414395"/>
       </p:ext>
     </p:extLst>
   </p:cSld>
@@ -3407,22 +3639,14 @@
           </a:bodyPr>
           <a:lstStyle/>
           <a:p>
-            <a:pPr marL="0" marR="0" lvl="0" indent="0" algn="l" defTabSz="609585" rtl="0" eaLnBrk="1" fontAlgn="auto" latinLnBrk="0" hangingPunct="1">
-              <a:lnSpc>
-                <a:spcPct val="100000"/>
-              </a:lnSpc>
+            <a:pPr marL="0" lvl="0" indent="0" algn="l" rtl="0">
               <a:spcBef>
                 <a:spcPts val="0"/>
               </a:spcBef>
               <a:spcAft>
                 <a:spcPts val="0"/>
               </a:spcAft>
-              <a:buClrTx/>
-              <a:buSzTx/>
-              <a:buFontTx/>
               <a:buNone/>
-              <a:tabLst/>
-              <a:defRPr/>
             </a:pPr>
             <a:endParaRPr lang="en-US" dirty="0"/>
           </a:p>
@@ -3431,7 +3655,7 @@
     </p:spTree>
     <p:extLst>
       <p:ext uri="{BB962C8B-B14F-4D97-AF65-F5344CB8AC3E}">
-        <p14:creationId xmlns:p14="http://schemas.microsoft.com/office/powerpoint/2010/main" val="3938340473"/>
+        <p14:creationId xmlns:p14="http://schemas.microsoft.com/office/powerpoint/2010/main" val="1627882378"/>
       </p:ext>
     </p:extLst>
   </p:cSld>
@@ -3524,22 +3748,14 @@
           </a:bodyPr>
           <a:lstStyle/>
           <a:p>
-            <a:pPr marL="0" marR="0" lvl="0" indent="0" algn="l" defTabSz="609585" rtl="0" eaLnBrk="1" fontAlgn="auto" latinLnBrk="0" hangingPunct="1">
-              <a:lnSpc>
-                <a:spcPct val="100000"/>
-              </a:lnSpc>
+            <a:pPr marL="0" lvl="0" indent="0" algn="l" rtl="0">
               <a:spcBef>
                 <a:spcPts val="0"/>
               </a:spcBef>
               <a:spcAft>
                 <a:spcPts val="0"/>
               </a:spcAft>
-              <a:buClrTx/>
-              <a:buSzTx/>
-              <a:buFontTx/>
               <a:buNone/>
-              <a:tabLst/>
-              <a:defRPr/>
             </a:pPr>
             <a:endParaRPr lang="en-US" dirty="0"/>
           </a:p>
@@ -3548,7 +3764,7 @@
     </p:spTree>
     <p:extLst>
       <p:ext uri="{BB962C8B-B14F-4D97-AF65-F5344CB8AC3E}">
-        <p14:creationId xmlns:p14="http://schemas.microsoft.com/office/powerpoint/2010/main" val="4216157522"/>
+        <p14:creationId xmlns:p14="http://schemas.microsoft.com/office/powerpoint/2010/main" val="104545633"/>
       </p:ext>
     </p:extLst>
   </p:cSld>
@@ -3665,7 +3881,7 @@
     </p:spTree>
     <p:extLst>
       <p:ext uri="{BB962C8B-B14F-4D97-AF65-F5344CB8AC3E}">
-        <p14:creationId xmlns:p14="http://schemas.microsoft.com/office/powerpoint/2010/main" val="1569997163"/>
+        <p14:creationId xmlns:p14="http://schemas.microsoft.com/office/powerpoint/2010/main" val="3935206571"/>
       </p:ext>
     </p:extLst>
   </p:cSld>
@@ -3782,7 +3998,7 @@
     </p:spTree>
     <p:extLst>
       <p:ext uri="{BB962C8B-B14F-4D97-AF65-F5344CB8AC3E}">
-        <p14:creationId xmlns:p14="http://schemas.microsoft.com/office/powerpoint/2010/main" val="759372625"/>
+        <p14:creationId xmlns:p14="http://schemas.microsoft.com/office/powerpoint/2010/main" val="3938340473"/>
       </p:ext>
     </p:extLst>
   </p:cSld>
@@ -3899,7 +4115,7 @@
     </p:spTree>
     <p:extLst>
       <p:ext uri="{BB962C8B-B14F-4D97-AF65-F5344CB8AC3E}">
-        <p14:creationId xmlns:p14="http://schemas.microsoft.com/office/powerpoint/2010/main" val="1581552090"/>
+        <p14:creationId xmlns:p14="http://schemas.microsoft.com/office/powerpoint/2010/main" val="4216157522"/>
       </p:ext>
     </p:extLst>
   </p:cSld>
@@ -4016,7 +4232,7 @@
     </p:spTree>
     <p:extLst>
       <p:ext uri="{BB962C8B-B14F-4D97-AF65-F5344CB8AC3E}">
-        <p14:creationId xmlns:p14="http://schemas.microsoft.com/office/powerpoint/2010/main" val="230335824"/>
+        <p14:creationId xmlns:p14="http://schemas.microsoft.com/office/powerpoint/2010/main" val="1569997163"/>
       </p:ext>
     </p:extLst>
   </p:cSld>
@@ -4133,7 +4349,7 @@
     </p:spTree>
     <p:extLst>
       <p:ext uri="{BB962C8B-B14F-4D97-AF65-F5344CB8AC3E}">
-        <p14:creationId xmlns:p14="http://schemas.microsoft.com/office/powerpoint/2010/main" val="2918353796"/>
+        <p14:creationId xmlns:p14="http://schemas.microsoft.com/office/powerpoint/2010/main" val="759372625"/>
       </p:ext>
     </p:extLst>
   </p:cSld>
@@ -4250,7 +4466,7 @@
     </p:spTree>
     <p:extLst>
       <p:ext uri="{BB962C8B-B14F-4D97-AF65-F5344CB8AC3E}">
-        <p14:creationId xmlns:p14="http://schemas.microsoft.com/office/powerpoint/2010/main" val="390738873"/>
+        <p14:creationId xmlns:p14="http://schemas.microsoft.com/office/powerpoint/2010/main" val="1581552090"/>
       </p:ext>
     </p:extLst>
   </p:cSld>
@@ -4367,7 +4583,7 @@
     </p:spTree>
     <p:extLst>
       <p:ext uri="{BB962C8B-B14F-4D97-AF65-F5344CB8AC3E}">
-        <p14:creationId xmlns:p14="http://schemas.microsoft.com/office/powerpoint/2010/main" val="926831241"/>
+        <p14:creationId xmlns:p14="http://schemas.microsoft.com/office/powerpoint/2010/main" val="230335824"/>
       </p:ext>
     </p:extLst>
   </p:cSld>
@@ -4484,7 +4700,7 @@
     </p:spTree>
     <p:extLst>
       <p:ext uri="{BB962C8B-B14F-4D97-AF65-F5344CB8AC3E}">
-        <p14:creationId xmlns:p14="http://schemas.microsoft.com/office/powerpoint/2010/main" val="2921899275"/>
+        <p14:creationId xmlns:p14="http://schemas.microsoft.com/office/powerpoint/2010/main" val="2918353796"/>
       </p:ext>
     </p:extLst>
   </p:cSld>
@@ -4604,6 +4820,357 @@
 </file>
 
 <file path=ppt/notesSlides/notesSlide40.xml><?xml version="1.0" encoding="utf-8"?>
+<p:notes xmlns:a="http://schemas.openxmlformats.org/drawingml/2006/main" xmlns:r="http://schemas.openxmlformats.org/officeDocument/2006/relationships" xmlns:p="http://schemas.openxmlformats.org/presentationml/2006/main" showMasterSp="0" showMasterPhAnim="0">
+  <p:cSld>
+    <p:spTree>
+      <p:nvGrpSpPr>
+        <p:cNvPr id="1" name="Shape 91"/>
+        <p:cNvGrpSpPr/>
+        <p:nvPr/>
+      </p:nvGrpSpPr>
+      <p:grpSpPr>
+        <a:xfrm>
+          <a:off x="0" y="0"/>
+          <a:ext cx="0" cy="0"/>
+          <a:chOff x="0" y="0"/>
+          <a:chExt cx="0" cy="0"/>
+        </a:xfrm>
+      </p:grpSpPr>
+      <p:sp>
+        <p:nvSpPr>
+          <p:cNvPr id="92" name="Google Shape;92;g921be16503_9_0:notes"/>
+          <p:cNvSpPr>
+            <a:spLocks noGrp="1" noRot="1" noChangeAspect="1"/>
+          </p:cNvSpPr>
+          <p:nvPr>
+            <p:ph type="sldImg" idx="2"/>
+          </p:nvPr>
+        </p:nvSpPr>
+        <p:spPr>
+          <a:xfrm>
+            <a:off x="381000" y="685800"/>
+            <a:ext cx="6096000" cy="3429000"/>
+          </a:xfrm>
+          <a:custGeom>
+            <a:avLst/>
+            <a:gdLst/>
+            <a:ahLst/>
+            <a:cxnLst/>
+            <a:rect l="l" t="t" r="r" b="b"/>
+            <a:pathLst>
+              <a:path w="120000" h="120000" extrusionOk="0">
+                <a:moveTo>
+                  <a:pt x="0" y="0"/>
+                </a:moveTo>
+                <a:lnTo>
+                  <a:pt x="120000" y="0"/>
+                </a:lnTo>
+                <a:lnTo>
+                  <a:pt x="120000" y="120000"/>
+                </a:lnTo>
+                <a:lnTo>
+                  <a:pt x="0" y="120000"/>
+                </a:lnTo>
+                <a:close/>
+              </a:path>
+            </a:pathLst>
+          </a:custGeom>
+        </p:spPr>
+      </p:sp>
+      <p:sp>
+        <p:nvSpPr>
+          <p:cNvPr id="93" name="Google Shape;93;g921be16503_9_0:notes"/>
+          <p:cNvSpPr txBox="1">
+            <a:spLocks noGrp="1"/>
+          </p:cNvSpPr>
+          <p:nvPr>
+            <p:ph type="body" idx="1"/>
+          </p:nvPr>
+        </p:nvSpPr>
+        <p:spPr>
+          <a:xfrm>
+            <a:off x="685800" y="4343400"/>
+            <a:ext cx="5486400" cy="4114800"/>
+          </a:xfrm>
+          <a:prstGeom prst="rect">
+            <a:avLst/>
+          </a:prstGeom>
+        </p:spPr>
+        <p:txBody>
+          <a:bodyPr spcFirstLastPara="1" wrap="square" lIns="91425" tIns="91425" rIns="91425" bIns="91425" anchor="t" anchorCtr="0">
+            <a:noAutofit/>
+          </a:bodyPr>
+          <a:lstStyle/>
+          <a:p>
+            <a:pPr marL="0" marR="0" lvl="0" indent="0" algn="l" defTabSz="609585" rtl="0" eaLnBrk="1" fontAlgn="auto" latinLnBrk="0" hangingPunct="1">
+              <a:lnSpc>
+                <a:spcPct val="100000"/>
+              </a:lnSpc>
+              <a:spcBef>
+                <a:spcPts val="0"/>
+              </a:spcBef>
+              <a:spcAft>
+                <a:spcPts val="0"/>
+              </a:spcAft>
+              <a:buClrTx/>
+              <a:buSzTx/>
+              <a:buFontTx/>
+              <a:buNone/>
+              <a:tabLst/>
+              <a:defRPr/>
+            </a:pPr>
+            <a:endParaRPr lang="en-US" dirty="0"/>
+          </a:p>
+        </p:txBody>
+      </p:sp>
+    </p:spTree>
+    <p:extLst>
+      <p:ext uri="{BB962C8B-B14F-4D97-AF65-F5344CB8AC3E}">
+        <p14:creationId xmlns:p14="http://schemas.microsoft.com/office/powerpoint/2010/main" val="390738873"/>
+      </p:ext>
+    </p:extLst>
+  </p:cSld>
+  <p:clrMapOvr>
+    <a:masterClrMapping/>
+  </p:clrMapOvr>
+</p:notes>
+</file>
+
+<file path=ppt/notesSlides/notesSlide41.xml><?xml version="1.0" encoding="utf-8"?>
+<p:notes xmlns:a="http://schemas.openxmlformats.org/drawingml/2006/main" xmlns:r="http://schemas.openxmlformats.org/officeDocument/2006/relationships" xmlns:p="http://schemas.openxmlformats.org/presentationml/2006/main" showMasterSp="0" showMasterPhAnim="0">
+  <p:cSld>
+    <p:spTree>
+      <p:nvGrpSpPr>
+        <p:cNvPr id="1" name="Shape 91"/>
+        <p:cNvGrpSpPr/>
+        <p:nvPr/>
+      </p:nvGrpSpPr>
+      <p:grpSpPr>
+        <a:xfrm>
+          <a:off x="0" y="0"/>
+          <a:ext cx="0" cy="0"/>
+          <a:chOff x="0" y="0"/>
+          <a:chExt cx="0" cy="0"/>
+        </a:xfrm>
+      </p:grpSpPr>
+      <p:sp>
+        <p:nvSpPr>
+          <p:cNvPr id="92" name="Google Shape;92;g921be16503_9_0:notes"/>
+          <p:cNvSpPr>
+            <a:spLocks noGrp="1" noRot="1" noChangeAspect="1"/>
+          </p:cNvSpPr>
+          <p:nvPr>
+            <p:ph type="sldImg" idx="2"/>
+          </p:nvPr>
+        </p:nvSpPr>
+        <p:spPr>
+          <a:xfrm>
+            <a:off x="381000" y="685800"/>
+            <a:ext cx="6096000" cy="3429000"/>
+          </a:xfrm>
+          <a:custGeom>
+            <a:avLst/>
+            <a:gdLst/>
+            <a:ahLst/>
+            <a:cxnLst/>
+            <a:rect l="l" t="t" r="r" b="b"/>
+            <a:pathLst>
+              <a:path w="120000" h="120000" extrusionOk="0">
+                <a:moveTo>
+                  <a:pt x="0" y="0"/>
+                </a:moveTo>
+                <a:lnTo>
+                  <a:pt x="120000" y="0"/>
+                </a:lnTo>
+                <a:lnTo>
+                  <a:pt x="120000" y="120000"/>
+                </a:lnTo>
+                <a:lnTo>
+                  <a:pt x="0" y="120000"/>
+                </a:lnTo>
+                <a:close/>
+              </a:path>
+            </a:pathLst>
+          </a:custGeom>
+        </p:spPr>
+      </p:sp>
+      <p:sp>
+        <p:nvSpPr>
+          <p:cNvPr id="93" name="Google Shape;93;g921be16503_9_0:notes"/>
+          <p:cNvSpPr txBox="1">
+            <a:spLocks noGrp="1"/>
+          </p:cNvSpPr>
+          <p:nvPr>
+            <p:ph type="body" idx="1"/>
+          </p:nvPr>
+        </p:nvSpPr>
+        <p:spPr>
+          <a:xfrm>
+            <a:off x="685800" y="4343400"/>
+            <a:ext cx="5486400" cy="4114800"/>
+          </a:xfrm>
+          <a:prstGeom prst="rect">
+            <a:avLst/>
+          </a:prstGeom>
+        </p:spPr>
+        <p:txBody>
+          <a:bodyPr spcFirstLastPara="1" wrap="square" lIns="91425" tIns="91425" rIns="91425" bIns="91425" anchor="t" anchorCtr="0">
+            <a:noAutofit/>
+          </a:bodyPr>
+          <a:lstStyle/>
+          <a:p>
+            <a:pPr marL="0" marR="0" lvl="0" indent="0" algn="l" defTabSz="609585" rtl="0" eaLnBrk="1" fontAlgn="auto" latinLnBrk="0" hangingPunct="1">
+              <a:lnSpc>
+                <a:spcPct val="100000"/>
+              </a:lnSpc>
+              <a:spcBef>
+                <a:spcPts val="0"/>
+              </a:spcBef>
+              <a:spcAft>
+                <a:spcPts val="0"/>
+              </a:spcAft>
+              <a:buClrTx/>
+              <a:buSzTx/>
+              <a:buFontTx/>
+              <a:buNone/>
+              <a:tabLst/>
+              <a:defRPr/>
+            </a:pPr>
+            <a:endParaRPr lang="en-US" dirty="0"/>
+          </a:p>
+        </p:txBody>
+      </p:sp>
+    </p:spTree>
+    <p:extLst>
+      <p:ext uri="{BB962C8B-B14F-4D97-AF65-F5344CB8AC3E}">
+        <p14:creationId xmlns:p14="http://schemas.microsoft.com/office/powerpoint/2010/main" val="926831241"/>
+      </p:ext>
+    </p:extLst>
+  </p:cSld>
+  <p:clrMapOvr>
+    <a:masterClrMapping/>
+  </p:clrMapOvr>
+</p:notes>
+</file>
+
+<file path=ppt/notesSlides/notesSlide42.xml><?xml version="1.0" encoding="utf-8"?>
+<p:notes xmlns:a="http://schemas.openxmlformats.org/drawingml/2006/main" xmlns:r="http://schemas.openxmlformats.org/officeDocument/2006/relationships" xmlns:p="http://schemas.openxmlformats.org/presentationml/2006/main" showMasterSp="0" showMasterPhAnim="0">
+  <p:cSld>
+    <p:spTree>
+      <p:nvGrpSpPr>
+        <p:cNvPr id="1" name="Shape 91"/>
+        <p:cNvGrpSpPr/>
+        <p:nvPr/>
+      </p:nvGrpSpPr>
+      <p:grpSpPr>
+        <a:xfrm>
+          <a:off x="0" y="0"/>
+          <a:ext cx="0" cy="0"/>
+          <a:chOff x="0" y="0"/>
+          <a:chExt cx="0" cy="0"/>
+        </a:xfrm>
+      </p:grpSpPr>
+      <p:sp>
+        <p:nvSpPr>
+          <p:cNvPr id="92" name="Google Shape;92;g921be16503_9_0:notes"/>
+          <p:cNvSpPr>
+            <a:spLocks noGrp="1" noRot="1" noChangeAspect="1"/>
+          </p:cNvSpPr>
+          <p:nvPr>
+            <p:ph type="sldImg" idx="2"/>
+          </p:nvPr>
+        </p:nvSpPr>
+        <p:spPr>
+          <a:xfrm>
+            <a:off x="381000" y="685800"/>
+            <a:ext cx="6096000" cy="3429000"/>
+          </a:xfrm>
+          <a:custGeom>
+            <a:avLst/>
+            <a:gdLst/>
+            <a:ahLst/>
+            <a:cxnLst/>
+            <a:rect l="l" t="t" r="r" b="b"/>
+            <a:pathLst>
+              <a:path w="120000" h="120000" extrusionOk="0">
+                <a:moveTo>
+                  <a:pt x="0" y="0"/>
+                </a:moveTo>
+                <a:lnTo>
+                  <a:pt x="120000" y="0"/>
+                </a:lnTo>
+                <a:lnTo>
+                  <a:pt x="120000" y="120000"/>
+                </a:lnTo>
+                <a:lnTo>
+                  <a:pt x="0" y="120000"/>
+                </a:lnTo>
+                <a:close/>
+              </a:path>
+            </a:pathLst>
+          </a:custGeom>
+        </p:spPr>
+      </p:sp>
+      <p:sp>
+        <p:nvSpPr>
+          <p:cNvPr id="93" name="Google Shape;93;g921be16503_9_0:notes"/>
+          <p:cNvSpPr txBox="1">
+            <a:spLocks noGrp="1"/>
+          </p:cNvSpPr>
+          <p:nvPr>
+            <p:ph type="body" idx="1"/>
+          </p:nvPr>
+        </p:nvSpPr>
+        <p:spPr>
+          <a:xfrm>
+            <a:off x="685800" y="4343400"/>
+            <a:ext cx="5486400" cy="4114800"/>
+          </a:xfrm>
+          <a:prstGeom prst="rect">
+            <a:avLst/>
+          </a:prstGeom>
+        </p:spPr>
+        <p:txBody>
+          <a:bodyPr spcFirstLastPara="1" wrap="square" lIns="91425" tIns="91425" rIns="91425" bIns="91425" anchor="t" anchorCtr="0">
+            <a:noAutofit/>
+          </a:bodyPr>
+          <a:lstStyle/>
+          <a:p>
+            <a:pPr marL="0" marR="0" lvl="0" indent="0" algn="l" defTabSz="609585" rtl="0" eaLnBrk="1" fontAlgn="auto" latinLnBrk="0" hangingPunct="1">
+              <a:lnSpc>
+                <a:spcPct val="100000"/>
+              </a:lnSpc>
+              <a:spcBef>
+                <a:spcPts val="0"/>
+              </a:spcBef>
+              <a:spcAft>
+                <a:spcPts val="0"/>
+              </a:spcAft>
+              <a:buClrTx/>
+              <a:buSzTx/>
+              <a:buFontTx/>
+              <a:buNone/>
+              <a:tabLst/>
+              <a:defRPr/>
+            </a:pPr>
+            <a:endParaRPr lang="en-US" dirty="0"/>
+          </a:p>
+        </p:txBody>
+      </p:sp>
+    </p:spTree>
+    <p:extLst>
+      <p:ext uri="{BB962C8B-B14F-4D97-AF65-F5344CB8AC3E}">
+        <p14:creationId xmlns:p14="http://schemas.microsoft.com/office/powerpoint/2010/main" val="2921899275"/>
+      </p:ext>
+    </p:extLst>
+  </p:cSld>
+  <p:clrMapOvr>
+    <a:masterClrMapping/>
+  </p:clrMapOvr>
+</p:notes>
+</file>
+
+<file path=ppt/notesSlides/notesSlide43.xml><?xml version="1.0" encoding="utf-8"?>
 <p:notes xmlns:a="http://schemas.openxmlformats.org/drawingml/2006/main" xmlns:r="http://schemas.openxmlformats.org/officeDocument/2006/relationships" xmlns:p="http://schemas.openxmlformats.org/presentationml/2006/main" showMasterSp="0" showMasterPhAnim="0">
   <p:cSld>
     <p:spTree>
@@ -9100,7 +9667,7 @@
                   </a:schemeClr>
                 </a:solidFill>
               </a:rPr>
-              <a:t>DSCI 633, Fall 2022</a:t>
+              <a:t>DSCI 633, Fall 2023</a:t>
             </a:r>
           </a:p>
         </p:txBody>
@@ -16445,7 +17012,7 @@
             </a:pPr>
             <a:r>
               <a:rPr lang="en-US" dirty="0"/>
-              <a:t>Python assessment end of class for those that scored &lt;=21.</a:t>
+              <a:t>Python assessment.</a:t>
             </a:r>
           </a:p>
           <a:p>
@@ -16456,7 +17023,7 @@
             </a:pPr>
             <a:r>
               <a:rPr lang="en-US" dirty="0"/>
-              <a:t>First assignment visible before EOD. </a:t>
+              <a:t>First HW Assignment next Tuesday. </a:t>
             </a:r>
           </a:p>
           <a:p>
@@ -16467,7 +17034,7 @@
             </a:pPr>
             <a:r>
               <a:rPr lang="en-US" dirty="0"/>
-              <a:t>Submission deadline on webpage.</a:t>
+              <a:t>Submission deadline on GitHub + MyCourses.</a:t>
             </a:r>
           </a:p>
           <a:p>
@@ -18267,7 +18834,341 @@
                   <a:srgbClr val="D95E00"/>
                 </a:solidFill>
               </a:rPr>
-              <a:t>ML Models</a:t>
+              <a:t>Class Exercise:</a:t>
+            </a:r>
+          </a:p>
+          <a:p>
+            <a:pPr marL="101598" algn="ctr">
+              <a:buSzPct val="100000"/>
+            </a:pPr>
+            <a:r>
+              <a:rPr lang="en-US" sz="4000" b="1" dirty="0">
+                <a:solidFill>
+                  <a:srgbClr val="D95E00"/>
+                </a:solidFill>
+              </a:rPr>
+              <a:t>Categorize tasks into Types of ML Models</a:t>
+            </a:r>
+            <a:endParaRPr lang="en-US" sz="4800" b="1" dirty="0">
+              <a:solidFill>
+                <a:srgbClr val="D95E00"/>
+              </a:solidFill>
+            </a:endParaRPr>
+          </a:p>
+        </p:txBody>
+      </p:sp>
+    </p:spTree>
+    <p:extLst>
+      <p:ext uri="{BB962C8B-B14F-4D97-AF65-F5344CB8AC3E}">
+        <p14:creationId xmlns:p14="http://schemas.microsoft.com/office/powerpoint/2010/main" val="326093807"/>
+      </p:ext>
+    </p:extLst>
+  </p:cSld>
+  <p:clrMapOvr>
+    <a:masterClrMapping/>
+  </p:clrMapOvr>
+</p:sld>
+</file>
+
+<file path=ppt/slides/slide23.xml><?xml version="1.0" encoding="utf-8"?>
+<p:sld xmlns:a="http://schemas.openxmlformats.org/drawingml/2006/main" xmlns:r="http://schemas.openxmlformats.org/officeDocument/2006/relationships" xmlns:p="http://schemas.openxmlformats.org/presentationml/2006/main">
+  <p:cSld>
+    <p:spTree>
+      <p:nvGrpSpPr>
+        <p:cNvPr id="1" name="Shape 94"/>
+        <p:cNvGrpSpPr/>
+        <p:nvPr/>
+      </p:nvGrpSpPr>
+      <p:grpSpPr>
+        <a:xfrm>
+          <a:off x="0" y="0"/>
+          <a:ext cx="0" cy="0"/>
+          <a:chOff x="0" y="0"/>
+          <a:chExt cx="0" cy="0"/>
+        </a:xfrm>
+      </p:grpSpPr>
+      <p:sp>
+        <p:nvSpPr>
+          <p:cNvPr id="96" name="Google Shape;96;p14"/>
+          <p:cNvSpPr txBox="1"/>
+          <p:nvPr/>
+        </p:nvSpPr>
+        <p:spPr>
+          <a:xfrm>
+            <a:off x="311422" y="812930"/>
+            <a:ext cx="11277600" cy="5042664"/>
+          </a:xfrm>
+          <a:prstGeom prst="rect">
+            <a:avLst/>
+          </a:prstGeom>
+          <a:noFill/>
+          <a:ln>
+            <a:noFill/>
+          </a:ln>
+        </p:spPr>
+        <p:txBody>
+          <a:bodyPr spcFirstLastPara="1" wrap="square" lIns="121900" tIns="121900" rIns="121900" bIns="121900" anchor="t" anchorCtr="0">
+            <a:noAutofit/>
+          </a:bodyPr>
+          <a:lstStyle/>
+          <a:p>
+            <a:pPr algn="l">
+              <a:buFont typeface="+mj-lt"/>
+              <a:buAutoNum type="arabicPeriod"/>
+            </a:pPr>
+            <a:r>
+              <a:rPr lang="en-US" sz="1800" b="1" i="0" dirty="0">
+                <a:solidFill>
+                  <a:srgbClr val="000000"/>
+                </a:solidFill>
+                <a:effectLst/>
+                <a:latin typeface="Söhne"/>
+              </a:rPr>
+              <a:t>Movie Recommendation System</a:t>
+            </a:r>
+            <a:r>
+              <a:rPr lang="en-US" sz="1800" b="0" i="0" dirty="0">
+                <a:solidFill>
+                  <a:srgbClr val="000000"/>
+                </a:solidFill>
+                <a:effectLst/>
+                <a:latin typeface="Söhne"/>
+              </a:rPr>
+              <a:t>: A system that suggests movies to users based on movies they've previously liked.</a:t>
+            </a:r>
+          </a:p>
+          <a:p>
+            <a:pPr algn="l">
+              <a:buFont typeface="+mj-lt"/>
+              <a:buAutoNum type="arabicPeriod"/>
+            </a:pPr>
+            <a:r>
+              <a:rPr lang="en-US" sz="1800" b="1" i="0" dirty="0">
+                <a:solidFill>
+                  <a:srgbClr val="000000"/>
+                </a:solidFill>
+                <a:effectLst/>
+                <a:latin typeface="Söhne"/>
+              </a:rPr>
+              <a:t>Customer Segmentation for a Supermarket</a:t>
+            </a:r>
+            <a:r>
+              <a:rPr lang="en-US" sz="1800" b="0" i="0" dirty="0">
+                <a:solidFill>
+                  <a:srgbClr val="000000"/>
+                </a:solidFill>
+                <a:effectLst/>
+                <a:latin typeface="Söhne"/>
+              </a:rPr>
+              <a:t>: Analyzing purchase data to group customers into different clusters or segments based on their shopping patterns.</a:t>
+            </a:r>
+          </a:p>
+          <a:p>
+            <a:pPr algn="l">
+              <a:buFont typeface="+mj-lt"/>
+              <a:buAutoNum type="arabicPeriod"/>
+            </a:pPr>
+            <a:r>
+              <a:rPr lang="en-US" sz="1800" b="1" i="0" dirty="0">
+                <a:solidFill>
+                  <a:srgbClr val="000000"/>
+                </a:solidFill>
+                <a:effectLst/>
+                <a:latin typeface="Söhne"/>
+              </a:rPr>
+              <a:t>Credit Card Fraud Detection</a:t>
+            </a:r>
+            <a:r>
+              <a:rPr lang="en-US" sz="1800" b="0" i="0" dirty="0">
+                <a:solidFill>
+                  <a:srgbClr val="000000"/>
+                </a:solidFill>
+                <a:effectLst/>
+                <a:latin typeface="Söhne"/>
+              </a:rPr>
+              <a:t>: Monitoring credit card transactions to flag suspicious activities that don't align with a user's typical behavior.</a:t>
+            </a:r>
+          </a:p>
+          <a:p>
+            <a:pPr algn="l">
+              <a:buFont typeface="+mj-lt"/>
+              <a:buAutoNum type="arabicPeriod"/>
+            </a:pPr>
+            <a:r>
+              <a:rPr lang="en-US" sz="1800" b="1" i="0" dirty="0">
+                <a:solidFill>
+                  <a:srgbClr val="000000"/>
+                </a:solidFill>
+                <a:effectLst/>
+                <a:latin typeface="Söhne"/>
+              </a:rPr>
+              <a:t>Playing Chess Against a Computer</a:t>
+            </a:r>
+            <a:r>
+              <a:rPr lang="en-US" sz="1800" b="0" i="0" dirty="0">
+                <a:solidFill>
+                  <a:srgbClr val="000000"/>
+                </a:solidFill>
+                <a:effectLst/>
+                <a:latin typeface="Söhne"/>
+              </a:rPr>
+              <a:t>: Training a computer program to improve its chess game by playing thousands of games and learning from its moves.</a:t>
+            </a:r>
+          </a:p>
+          <a:p>
+            <a:pPr algn="l">
+              <a:buFont typeface="+mj-lt"/>
+              <a:buAutoNum type="arabicPeriod"/>
+            </a:pPr>
+            <a:r>
+              <a:rPr lang="en-US" sz="1800" b="1" i="0" dirty="0">
+                <a:solidFill>
+                  <a:srgbClr val="000000"/>
+                </a:solidFill>
+                <a:effectLst/>
+                <a:latin typeface="Söhne"/>
+              </a:rPr>
+              <a:t>Predicting House Prices</a:t>
+            </a:r>
+            <a:r>
+              <a:rPr lang="en-US" sz="1800" b="0" i="0" dirty="0">
+                <a:solidFill>
+                  <a:srgbClr val="000000"/>
+                </a:solidFill>
+                <a:effectLst/>
+                <a:latin typeface="Söhne"/>
+              </a:rPr>
+              <a:t>: Using features like the number of rooms, location, and age of a house to predict its sale price.</a:t>
+            </a:r>
+          </a:p>
+          <a:p>
+            <a:pPr algn="l">
+              <a:buFont typeface="+mj-lt"/>
+              <a:buAutoNum type="arabicPeriod"/>
+            </a:pPr>
+            <a:r>
+              <a:rPr lang="en-US" sz="1800" b="1" i="0" dirty="0">
+                <a:solidFill>
+                  <a:srgbClr val="000000"/>
+                </a:solidFill>
+                <a:effectLst/>
+                <a:latin typeface="Söhne"/>
+              </a:rPr>
+              <a:t>Image Compression</a:t>
+            </a:r>
+            <a:r>
+              <a:rPr lang="en-US" sz="1800" b="0" i="0" dirty="0">
+                <a:solidFill>
+                  <a:srgbClr val="000000"/>
+                </a:solidFill>
+                <a:effectLst/>
+                <a:latin typeface="Söhne"/>
+              </a:rPr>
+              <a:t>: Reducing the size of an image file without significantly reducing its quality, by grouping similar pixel values.</a:t>
+            </a:r>
+          </a:p>
+          <a:p>
+            <a:pPr algn="l">
+              <a:buFont typeface="+mj-lt"/>
+              <a:buAutoNum type="arabicPeriod"/>
+            </a:pPr>
+            <a:r>
+              <a:rPr lang="en-US" sz="1800" b="1" i="0" dirty="0">
+                <a:solidFill>
+                  <a:srgbClr val="000000"/>
+                </a:solidFill>
+                <a:effectLst/>
+                <a:latin typeface="Söhne"/>
+              </a:rPr>
+              <a:t>Identifying Topics in News Articles</a:t>
+            </a:r>
+            <a:r>
+              <a:rPr lang="en-US" sz="1800" b="0" i="0" dirty="0">
+                <a:solidFill>
+                  <a:srgbClr val="000000"/>
+                </a:solidFill>
+                <a:effectLst/>
+                <a:latin typeface="Söhne"/>
+              </a:rPr>
+              <a:t>: Going through thousands of news articles and determining the main topics or themes without prior labels.</a:t>
+            </a:r>
+          </a:p>
+          <a:p>
+            <a:pPr algn="l">
+              <a:buFont typeface="+mj-lt"/>
+              <a:buAutoNum type="arabicPeriod"/>
+            </a:pPr>
+            <a:r>
+              <a:rPr lang="en-US" sz="1800" b="1" i="0" dirty="0">
+                <a:solidFill>
+                  <a:srgbClr val="000000"/>
+                </a:solidFill>
+                <a:effectLst/>
+                <a:latin typeface="Söhne"/>
+              </a:rPr>
+              <a:t>Self-driving Car</a:t>
+            </a:r>
+            <a:r>
+              <a:rPr lang="en-US" sz="1800" b="0" i="0" dirty="0">
+                <a:solidFill>
+                  <a:srgbClr val="000000"/>
+                </a:solidFill>
+                <a:effectLst/>
+                <a:latin typeface="Söhne"/>
+              </a:rPr>
+              <a:t>: Training a car to drive on its own by navigating and reacting to its environment.</a:t>
+            </a:r>
+          </a:p>
+          <a:p>
+            <a:pPr algn="l">
+              <a:buFont typeface="+mj-lt"/>
+              <a:buAutoNum type="arabicPeriod"/>
+            </a:pPr>
+            <a:r>
+              <a:rPr lang="en-US" sz="1800" b="1" i="0" dirty="0">
+                <a:solidFill>
+                  <a:srgbClr val="000000"/>
+                </a:solidFill>
+                <a:effectLst/>
+                <a:latin typeface="Söhne"/>
+              </a:rPr>
+              <a:t>Identifying Customers Who Might Churn</a:t>
+            </a:r>
+            <a:r>
+              <a:rPr lang="en-US" sz="1800" b="0" i="0" dirty="0">
+                <a:solidFill>
+                  <a:srgbClr val="000000"/>
+                </a:solidFill>
+                <a:effectLst/>
+                <a:latin typeface="Söhne"/>
+              </a:rPr>
+              <a:t>: Based on a customer's activity, purchase history, and feedback, predicting if they might leave the service.</a:t>
+            </a:r>
+          </a:p>
+          <a:p>
+            <a:pPr algn="l">
+              <a:buFont typeface="+mj-lt"/>
+              <a:buAutoNum type="arabicPeriod"/>
+            </a:pPr>
+            <a:r>
+              <a:rPr lang="en-US" sz="1800" b="1" i="0" dirty="0">
+                <a:solidFill>
+                  <a:srgbClr val="000000"/>
+                </a:solidFill>
+                <a:effectLst/>
+                <a:latin typeface="Söhne"/>
+              </a:rPr>
+              <a:t>Detecting Manufacturing Defects</a:t>
+            </a:r>
+            <a:r>
+              <a:rPr lang="en-US" sz="1800" b="0" i="0" dirty="0">
+                <a:solidFill>
+                  <a:srgbClr val="000000"/>
+                </a:solidFill>
+                <a:effectLst/>
+                <a:latin typeface="Söhne"/>
+              </a:rPr>
+              <a:t>: Monitoring a manufacturing assembly line to detect products that don't meet the quality standards.</a:t>
             </a:r>
           </a:p>
         </p:txBody>
@@ -18285,7 +19186,100 @@
 </p:sld>
 </file>
 
-<file path=ppt/slides/slide23.xml><?xml version="1.0" encoding="utf-8"?>
+<file path=ppt/slides/slide24.xml><?xml version="1.0" encoding="utf-8"?>
+<p:sld xmlns:a="http://schemas.openxmlformats.org/drawingml/2006/main" xmlns:r="http://schemas.openxmlformats.org/officeDocument/2006/relationships" xmlns:p="http://schemas.openxmlformats.org/presentationml/2006/main">
+  <p:cSld>
+    <p:spTree>
+      <p:nvGrpSpPr>
+        <p:cNvPr id="1" name="Shape 94"/>
+        <p:cNvGrpSpPr/>
+        <p:nvPr/>
+      </p:nvGrpSpPr>
+      <p:grpSpPr>
+        <a:xfrm>
+          <a:off x="0" y="0"/>
+          <a:ext cx="0" cy="0"/>
+          <a:chOff x="0" y="0"/>
+          <a:chExt cx="0" cy="0"/>
+        </a:xfrm>
+      </p:grpSpPr>
+      <p:sp>
+        <p:nvSpPr>
+          <p:cNvPr id="96" name="Google Shape;96;p14"/>
+          <p:cNvSpPr txBox="1"/>
+          <p:nvPr/>
+        </p:nvSpPr>
+        <p:spPr>
+          <a:xfrm>
+            <a:off x="311422" y="812930"/>
+            <a:ext cx="11277600" cy="5042664"/>
+          </a:xfrm>
+          <a:prstGeom prst="rect">
+            <a:avLst/>
+          </a:prstGeom>
+          <a:noFill/>
+          <a:ln>
+            <a:noFill/>
+          </a:ln>
+        </p:spPr>
+        <p:txBody>
+          <a:bodyPr spcFirstLastPara="1" wrap="square" lIns="121900" tIns="121900" rIns="121900" bIns="121900" anchor="t" anchorCtr="0">
+            <a:noAutofit/>
+          </a:bodyPr>
+          <a:lstStyle/>
+          <a:p>
+            <a:pPr marL="101598" algn="ctr">
+              <a:buSzPct val="100000"/>
+            </a:pPr>
+            <a:endParaRPr lang="en-US" dirty="0"/>
+          </a:p>
+          <a:p>
+            <a:pPr marL="101598" algn="ctr">
+              <a:buSzPct val="100000"/>
+            </a:pPr>
+            <a:endParaRPr lang="en-US" dirty="0"/>
+          </a:p>
+          <a:p>
+            <a:pPr marL="101598" algn="ctr">
+              <a:buSzPct val="100000"/>
+            </a:pPr>
+            <a:endParaRPr lang="en-US" dirty="0"/>
+          </a:p>
+          <a:p>
+            <a:pPr marL="101598" algn="ctr">
+              <a:buSzPct val="100000"/>
+            </a:pPr>
+            <a:endParaRPr lang="en-US" dirty="0"/>
+          </a:p>
+          <a:p>
+            <a:pPr marL="101598" algn="ctr">
+              <a:buSzPct val="100000"/>
+            </a:pPr>
+            <a:r>
+              <a:rPr lang="en-US" sz="4800" b="1" dirty="0">
+                <a:solidFill>
+                  <a:srgbClr val="D95E00"/>
+                </a:solidFill>
+              </a:rPr>
+              <a:t>ML Models</a:t>
+            </a:r>
+          </a:p>
+        </p:txBody>
+      </p:sp>
+    </p:spTree>
+    <p:extLst>
+      <p:ext uri="{BB962C8B-B14F-4D97-AF65-F5344CB8AC3E}">
+        <p14:creationId xmlns:p14="http://schemas.microsoft.com/office/powerpoint/2010/main" val="2282995153"/>
+      </p:ext>
+    </p:extLst>
+  </p:cSld>
+  <p:clrMapOvr>
+    <a:masterClrMapping/>
+  </p:clrMapOvr>
+</p:sld>
+</file>
+
+<file path=ppt/slides/slide25.xml><?xml version="1.0" encoding="utf-8"?>
 <p:sld xmlns:a="http://schemas.openxmlformats.org/drawingml/2006/main" xmlns:r="http://schemas.openxmlformats.org/officeDocument/2006/relationships" xmlns:p="http://schemas.openxmlformats.org/presentationml/2006/main">
   <p:cSld>
     <p:spTree>
@@ -18837,7 +19831,256 @@
 </p:sld>
 </file>
 
-<file path=ppt/slides/slide24.xml><?xml version="1.0" encoding="utf-8"?>
+<file path=ppt/slides/slide26.xml><?xml version="1.0" encoding="utf-8"?>
+<p:sld xmlns:a="http://schemas.openxmlformats.org/drawingml/2006/main" xmlns:r="http://schemas.openxmlformats.org/officeDocument/2006/relationships" xmlns:p="http://schemas.openxmlformats.org/presentationml/2006/main">
+  <p:cSld>
+    <p:spTree>
+      <p:nvGrpSpPr>
+        <p:cNvPr id="1" name="Shape 94"/>
+        <p:cNvGrpSpPr/>
+        <p:nvPr/>
+      </p:nvGrpSpPr>
+      <p:grpSpPr>
+        <a:xfrm>
+          <a:off x="0" y="0"/>
+          <a:ext cx="0" cy="0"/>
+          <a:chOff x="0" y="0"/>
+          <a:chExt cx="0" cy="0"/>
+        </a:xfrm>
+      </p:grpSpPr>
+      <p:sp>
+        <p:nvSpPr>
+          <p:cNvPr id="95" name="Google Shape;95;p14"/>
+          <p:cNvSpPr txBox="1">
+            <a:spLocks noGrp="1"/>
+          </p:cNvSpPr>
+          <p:nvPr>
+            <p:ph type="title" idx="4294967295"/>
+          </p:nvPr>
+        </p:nvSpPr>
+        <p:spPr>
+          <a:xfrm>
+            <a:off x="717173" y="559537"/>
+            <a:ext cx="10972800" cy="506789"/>
+          </a:xfrm>
+          <a:prstGeom prst="rect">
+            <a:avLst/>
+          </a:prstGeom>
+        </p:spPr>
+        <p:txBody>
+          <a:bodyPr spcFirstLastPara="1" wrap="square" lIns="121900" tIns="121900" rIns="121900" bIns="121900" anchor="ctr" anchorCtr="0">
+            <a:noAutofit/>
+          </a:bodyPr>
+          <a:lstStyle/>
+          <a:p>
+            <a:r>
+              <a:rPr lang="en-US" sz="4000" b="1" dirty="0">
+                <a:solidFill>
+                  <a:srgbClr val="E46102"/>
+                </a:solidFill>
+              </a:rPr>
+              <a:t>Naïve Bayes Classifier - Analogy</a:t>
+            </a:r>
+            <a:endParaRPr sz="4000" b="1" dirty="0">
+              <a:solidFill>
+                <a:srgbClr val="E46102"/>
+              </a:solidFill>
+            </a:endParaRPr>
+          </a:p>
+        </p:txBody>
+      </p:sp>
+      <p:sp>
+        <p:nvSpPr>
+          <p:cNvPr id="96" name="Google Shape;96;p14"/>
+          <p:cNvSpPr txBox="1"/>
+          <p:nvPr/>
+        </p:nvSpPr>
+        <p:spPr>
+          <a:xfrm>
+            <a:off x="330472" y="1286525"/>
+            <a:ext cx="11277600" cy="5042664"/>
+          </a:xfrm>
+          <a:prstGeom prst="rect">
+            <a:avLst/>
+          </a:prstGeom>
+          <a:noFill/>
+          <a:ln>
+            <a:noFill/>
+          </a:ln>
+        </p:spPr>
+        <p:txBody>
+          <a:bodyPr spcFirstLastPara="1" wrap="square" lIns="121900" tIns="121900" rIns="121900" bIns="121900" anchor="t" anchorCtr="0">
+            <a:noAutofit/>
+          </a:bodyPr>
+          <a:lstStyle/>
+          <a:p>
+            <a:r>
+              <a:rPr lang="en-US" b="1" dirty="0"/>
+              <a:t>Scenario</a:t>
+            </a:r>
+            <a:r>
+              <a:rPr lang="en-US" dirty="0"/>
+              <a:t>: Guessing a fruit (apple, banana, orange) from a basket based on features (shape, texture, smell).</a:t>
+            </a:r>
+          </a:p>
+          <a:p>
+            <a:r>
+              <a:rPr lang="en-US" b="1" dirty="0"/>
+              <a:t>Prior Knowledge</a:t>
+            </a:r>
+            <a:r>
+              <a:rPr lang="en-US" dirty="0"/>
+              <a:t>: Initial chance based on past experiences. </a:t>
+            </a:r>
+            <a:r>
+              <a:rPr lang="en-US" i="1" dirty="0"/>
+              <a:t>Example: 50% chance it's an apple if half the fruits you've seen were apples.</a:t>
+            </a:r>
+            <a:endParaRPr lang="en-US" dirty="0"/>
+          </a:p>
+          <a:p>
+            <a:r>
+              <a:rPr lang="en-US" b="1" dirty="0"/>
+              <a:t>Feature Evidence</a:t>
+            </a:r>
+            <a:r>
+              <a:rPr lang="en-US" dirty="0"/>
+              <a:t>: Using fruit features to refine guess. </a:t>
+            </a:r>
+            <a:r>
+              <a:rPr lang="en-US" i="1" dirty="0"/>
+              <a:t>Example: Round &amp; smooth? Probably not a banana. Citrusy smell? Likely an orange.</a:t>
+            </a:r>
+            <a:endParaRPr lang="en-US" dirty="0"/>
+          </a:p>
+          <a:p>
+            <a:r>
+              <a:rPr lang="en-US" b="1" dirty="0"/>
+              <a:t>Combining Information</a:t>
+            </a:r>
+            <a:r>
+              <a:rPr lang="en-US" dirty="0"/>
+              <a:t>: Merges prior knowledge with evidence for an educated guess.</a:t>
+            </a:r>
+          </a:p>
+          <a:p>
+            <a:r>
+              <a:rPr lang="en-US" b="1" dirty="0"/>
+              <a:t>"Naive" Assumption</a:t>
+            </a:r>
+            <a:r>
+              <a:rPr lang="en-US" dirty="0"/>
+              <a:t>: Each feature (e.g., shape, smell) is treated as independent of others.</a:t>
+            </a:r>
+          </a:p>
+          <a:p>
+            <a:endParaRPr lang="en-US" dirty="0"/>
+          </a:p>
+          <a:p>
+            <a:pPr algn="ctr"/>
+            <a:r>
+              <a:rPr lang="en-US" b="1" u="sng" dirty="0"/>
+              <a:t>Key Takeaway</a:t>
+            </a:r>
+            <a:r>
+              <a:rPr lang="en-US" u="sng" dirty="0"/>
+              <a:t>: Uses prior knowledge &amp; individual feature evidence, making simplified (naive) assumptions, to make educated guesses.</a:t>
+            </a:r>
+          </a:p>
+        </p:txBody>
+      </p:sp>
+    </p:spTree>
+    <p:extLst>
+      <p:ext uri="{BB962C8B-B14F-4D97-AF65-F5344CB8AC3E}">
+        <p14:creationId xmlns:p14="http://schemas.microsoft.com/office/powerpoint/2010/main" val="584161473"/>
+      </p:ext>
+    </p:extLst>
+  </p:cSld>
+  <p:clrMapOvr>
+    <a:masterClrMapping/>
+  </p:clrMapOvr>
+  <p:timing>
+    <p:tnLst>
+      <p:par>
+        <p:cTn id="1" dur="indefinite" restart="never" nodeType="tmRoot">
+          <p:childTnLst>
+            <p:seq concurrent="1" nextAc="seek">
+              <p:cTn id="2" dur="indefinite" nodeType="mainSeq">
+                <p:childTnLst>
+                  <p:par>
+                    <p:cTn id="3" fill="hold">
+                      <p:stCondLst>
+                        <p:cond delay="indefinite"/>
+                      </p:stCondLst>
+                      <p:childTnLst>
+                        <p:par>
+                          <p:cTn id="4" fill="hold">
+                            <p:stCondLst>
+                              <p:cond delay="0"/>
+                            </p:stCondLst>
+                            <p:childTnLst>
+                              <p:par>
+                                <p:cTn id="5" presetID="1" presetClass="entr" presetSubtype="0" fill="hold" grpId="0" nodeType="clickEffect">
+                                  <p:stCondLst>
+                                    <p:cond delay="0"/>
+                                  </p:stCondLst>
+                                  <p:childTnLst>
+                                    <p:set>
+                                      <p:cBhvr>
+                                        <p:cTn id="6" dur="1" fill="hold">
+                                          <p:stCondLst>
+                                            <p:cond delay="0"/>
+                                          </p:stCondLst>
+                                        </p:cTn>
+                                        <p:tgtEl>
+                                          <p:spTgt spid="96"/>
+                                        </p:tgtEl>
+                                        <p:attrNameLst>
+                                          <p:attrName>style.visibility</p:attrName>
+                                        </p:attrNameLst>
+                                      </p:cBhvr>
+                                      <p:to>
+                                        <p:strVal val="visible"/>
+                                      </p:to>
+                                    </p:set>
+                                  </p:childTnLst>
+                                </p:cTn>
+                              </p:par>
+                            </p:childTnLst>
+                          </p:cTn>
+                        </p:par>
+                      </p:childTnLst>
+                    </p:cTn>
+                  </p:par>
+                </p:childTnLst>
+              </p:cTn>
+              <p:prevCondLst>
+                <p:cond evt="onPrev" delay="0">
+                  <p:tgtEl>
+                    <p:sldTgt/>
+                  </p:tgtEl>
+                </p:cond>
+              </p:prevCondLst>
+              <p:nextCondLst>
+                <p:cond evt="onNext" delay="0">
+                  <p:tgtEl>
+                    <p:sldTgt/>
+                  </p:tgtEl>
+                </p:cond>
+              </p:nextCondLst>
+            </p:seq>
+          </p:childTnLst>
+        </p:cTn>
+      </p:par>
+    </p:tnLst>
+    <p:bldLst>
+      <p:bldP spid="96" grpId="0"/>
+    </p:bldLst>
+  </p:timing>
+</p:sld>
+</file>
+
+<file path=ppt/slides/slide27.xml><?xml version="1.0" encoding="utf-8"?>
 <p:sld xmlns:a="http://schemas.openxmlformats.org/drawingml/2006/main" xmlns:r="http://schemas.openxmlformats.org/officeDocument/2006/relationships" xmlns:p="http://schemas.openxmlformats.org/presentationml/2006/main">
   <p:cSld>
     <p:spTree>
@@ -19442,7 +20685,7 @@
 </p:sld>
 </file>
 
-<file path=ppt/slides/slide25.xml><?xml version="1.0" encoding="utf-8"?>
+<file path=ppt/slides/slide28.xml><?xml version="1.0" encoding="utf-8"?>
 <p:sld xmlns:a="http://schemas.openxmlformats.org/drawingml/2006/main" xmlns:r="http://schemas.openxmlformats.org/officeDocument/2006/relationships" xmlns:p="http://schemas.openxmlformats.org/presentationml/2006/main">
   <p:cSld>
     <p:spTree>
@@ -19927,7 +21170,7 @@
 </p:sld>
 </file>
 
-<file path=ppt/slides/slide26.xml><?xml version="1.0" encoding="utf-8"?>
+<file path=ppt/slides/slide29.xml><?xml version="1.0" encoding="utf-8"?>
 <p:sld xmlns:a="http://schemas.openxmlformats.org/drawingml/2006/main" xmlns:r="http://schemas.openxmlformats.org/officeDocument/2006/relationships" xmlns:p="http://schemas.openxmlformats.org/presentationml/2006/main">
   <p:cSld>
     <p:spTree>
@@ -20461,808 +21704,6 @@
 </p:sld>
 </file>
 
-<file path=ppt/slides/slide27.xml><?xml version="1.0" encoding="utf-8"?>
-<p:sld xmlns:a="http://schemas.openxmlformats.org/drawingml/2006/main" xmlns:r="http://schemas.openxmlformats.org/officeDocument/2006/relationships" xmlns:p="http://schemas.openxmlformats.org/presentationml/2006/main">
-  <p:cSld>
-    <p:spTree>
-      <p:nvGrpSpPr>
-        <p:cNvPr id="1" name="Shape 94"/>
-        <p:cNvGrpSpPr/>
-        <p:nvPr/>
-      </p:nvGrpSpPr>
-      <p:grpSpPr>
-        <a:xfrm>
-          <a:off x="0" y="0"/>
-          <a:ext cx="0" cy="0"/>
-          <a:chOff x="0" y="0"/>
-          <a:chExt cx="0" cy="0"/>
-        </a:xfrm>
-      </p:grpSpPr>
-      <p:sp>
-        <p:nvSpPr>
-          <p:cNvPr id="95" name="Google Shape;95;p14"/>
-          <p:cNvSpPr txBox="1">
-            <a:spLocks noGrp="1"/>
-          </p:cNvSpPr>
-          <p:nvPr>
-            <p:ph type="title" idx="4294967295"/>
-          </p:nvPr>
-        </p:nvSpPr>
-        <p:spPr>
-          <a:xfrm>
-            <a:off x="717173" y="559537"/>
-            <a:ext cx="10972800" cy="506789"/>
-          </a:xfrm>
-          <a:prstGeom prst="rect">
-            <a:avLst/>
-          </a:prstGeom>
-        </p:spPr>
-        <p:txBody>
-          <a:bodyPr spcFirstLastPara="1" wrap="square" lIns="121900" tIns="121900" rIns="121900" bIns="121900" anchor="ctr" anchorCtr="0">
-            <a:noAutofit/>
-          </a:bodyPr>
-          <a:lstStyle/>
-          <a:p>
-            <a:r>
-              <a:rPr lang="en-US" sz="4000" b="1" dirty="0">
-                <a:solidFill>
-                  <a:srgbClr val="E46102"/>
-                </a:solidFill>
-              </a:rPr>
-              <a:t>Bayes Classifier</a:t>
-            </a:r>
-            <a:endParaRPr sz="4000" b="1" dirty="0">
-              <a:solidFill>
-                <a:srgbClr val="E46102"/>
-              </a:solidFill>
-            </a:endParaRPr>
-          </a:p>
-        </p:txBody>
-      </p:sp>
-      <p:sp>
-        <p:nvSpPr>
-          <p:cNvPr id="96" name="Google Shape;96;p14"/>
-          <p:cNvSpPr txBox="1"/>
-          <p:nvPr/>
-        </p:nvSpPr>
-        <p:spPr>
-          <a:xfrm>
-            <a:off x="311422" y="1086679"/>
-            <a:ext cx="11277600" cy="4517124"/>
-          </a:xfrm>
-          <a:prstGeom prst="rect">
-            <a:avLst/>
-          </a:prstGeom>
-          <a:noFill/>
-          <a:ln>
-            <a:noFill/>
-          </a:ln>
-        </p:spPr>
-        <p:txBody>
-          <a:bodyPr spcFirstLastPara="1" wrap="square" lIns="121900" tIns="121900" rIns="121900" bIns="121900" anchor="t" anchorCtr="0">
-            <a:noAutofit/>
-          </a:bodyPr>
-          <a:lstStyle/>
-          <a:p>
-            <a:pPr marL="101598" algn="ctr">
-              <a:buSzPct val="100000"/>
-            </a:pPr>
-            <a:r>
-              <a:rPr lang="en-US" sz="2800" dirty="0"/>
-              <a:t>Class exercise</a:t>
-            </a:r>
-          </a:p>
-          <a:p>
-            <a:pPr marL="615948" indent="-514350">
-              <a:buSzPct val="100000"/>
-              <a:buAutoNum type="arabicPeriod"/>
-            </a:pPr>
-            <a:r>
-              <a:rPr lang="en-US" sz="2800" dirty="0"/>
-              <a:t>Use famous iris dataset. </a:t>
-            </a:r>
-            <a:r>
-              <a:rPr lang="en-US" sz="2800" dirty="0" err="1"/>
-              <a:t>Link:https</a:t>
-            </a:r>
-            <a:r>
-              <a:rPr lang="en-US" sz="2800" dirty="0"/>
-              <a:t>://</a:t>
-            </a:r>
-            <a:r>
-              <a:rPr lang="en-US" sz="2800" dirty="0" err="1"/>
-              <a:t>archive.ics.uci.edu</a:t>
-            </a:r>
-            <a:r>
-              <a:rPr lang="en-US" sz="2800" dirty="0"/>
-              <a:t>/ml/datasets/iris</a:t>
-            </a:r>
-          </a:p>
-          <a:p>
-            <a:pPr marL="101598">
-              <a:buSzPct val="100000"/>
-            </a:pPr>
-            <a:r>
-              <a:rPr lang="en-US" dirty="0"/>
-              <a:t>     (I’ve added it in dataset folder for ease of use)</a:t>
-            </a:r>
-          </a:p>
-          <a:p>
-            <a:pPr lvl="1"/>
-            <a:r>
-              <a:rPr lang="en-US" sz="2800" dirty="0"/>
-              <a:t>The iris dataset contains the following data</a:t>
-            </a:r>
-          </a:p>
-          <a:p>
-            <a:pPr lvl="1"/>
-            <a:r>
-              <a:rPr lang="en-US" sz="2800" dirty="0"/>
-              <a:t>50 samples of 3 different species of iris (150 samples total)</a:t>
-            </a:r>
-          </a:p>
-          <a:p>
-            <a:pPr lvl="1"/>
-            <a:r>
-              <a:rPr lang="en-US" sz="2800" dirty="0"/>
-              <a:t>Measurements: sepal length, sepal width, petal length, petal width</a:t>
-            </a:r>
-          </a:p>
-          <a:p>
-            <a:pPr lvl="1"/>
-            <a:r>
-              <a:rPr lang="en-US" sz="2800" dirty="0"/>
-              <a:t>The format for the data: (sepal length, sepal width, petal length, petal width)</a:t>
-            </a:r>
-          </a:p>
-          <a:p>
-            <a:pPr marL="101598">
-              <a:buSzPct val="100000"/>
-            </a:pPr>
-            <a:r>
-              <a:rPr lang="en-US" sz="2800" dirty="0"/>
-              <a:t>2. Open google </a:t>
-            </a:r>
-            <a:r>
-              <a:rPr lang="en-US" sz="2800" dirty="0" err="1"/>
-              <a:t>colab</a:t>
-            </a:r>
-            <a:endParaRPr lang="en-US" sz="2800" dirty="0"/>
-          </a:p>
-          <a:p>
-            <a:pPr marL="101598">
-              <a:buSzPct val="100000"/>
-            </a:pPr>
-            <a:r>
-              <a:rPr lang="en-US" sz="2800" dirty="0"/>
-              <a:t>3. Follow along the code in class</a:t>
-            </a:r>
-          </a:p>
-        </p:txBody>
-      </p:sp>
-    </p:spTree>
-    <p:extLst>
-      <p:ext uri="{BB962C8B-B14F-4D97-AF65-F5344CB8AC3E}">
-        <p14:creationId xmlns:p14="http://schemas.microsoft.com/office/powerpoint/2010/main" val="1643733331"/>
-      </p:ext>
-    </p:extLst>
-  </p:cSld>
-  <p:clrMapOvr>
-    <a:masterClrMapping/>
-  </p:clrMapOvr>
-</p:sld>
-</file>
-
-<file path=ppt/slides/slide28.xml><?xml version="1.0" encoding="utf-8"?>
-<p:sld xmlns:a="http://schemas.openxmlformats.org/drawingml/2006/main" xmlns:r="http://schemas.openxmlformats.org/officeDocument/2006/relationships" xmlns:p="http://schemas.openxmlformats.org/presentationml/2006/main">
-  <p:cSld>
-    <p:spTree>
-      <p:nvGrpSpPr>
-        <p:cNvPr id="1" name="Shape 94"/>
-        <p:cNvGrpSpPr/>
-        <p:nvPr/>
-      </p:nvGrpSpPr>
-      <p:grpSpPr>
-        <a:xfrm>
-          <a:off x="0" y="0"/>
-          <a:ext cx="0" cy="0"/>
-          <a:chOff x="0" y="0"/>
-          <a:chExt cx="0" cy="0"/>
-        </a:xfrm>
-      </p:grpSpPr>
-      <p:sp>
-        <p:nvSpPr>
-          <p:cNvPr id="95" name="Google Shape;95;p14"/>
-          <p:cNvSpPr txBox="1">
-            <a:spLocks noGrp="1"/>
-          </p:cNvSpPr>
-          <p:nvPr>
-            <p:ph type="title" idx="4294967295"/>
-          </p:nvPr>
-        </p:nvSpPr>
-        <p:spPr>
-          <a:xfrm>
-            <a:off x="717173" y="559537"/>
-            <a:ext cx="10972800" cy="506789"/>
-          </a:xfrm>
-          <a:prstGeom prst="rect">
-            <a:avLst/>
-          </a:prstGeom>
-        </p:spPr>
-        <p:txBody>
-          <a:bodyPr spcFirstLastPara="1" wrap="square" lIns="121900" tIns="121900" rIns="121900" bIns="121900" anchor="ctr" anchorCtr="0">
-            <a:noAutofit/>
-          </a:bodyPr>
-          <a:lstStyle/>
-          <a:p>
-            <a:r>
-              <a:rPr lang="en-US" sz="4000" b="1" dirty="0">
-                <a:solidFill>
-                  <a:srgbClr val="E46102"/>
-                </a:solidFill>
-              </a:rPr>
-              <a:t>Simple Linear Model</a:t>
-            </a:r>
-            <a:endParaRPr sz="4000" b="1" dirty="0">
-              <a:solidFill>
-                <a:srgbClr val="E46102"/>
-              </a:solidFill>
-            </a:endParaRPr>
-          </a:p>
-        </p:txBody>
-      </p:sp>
-      <p:sp>
-        <p:nvSpPr>
-          <p:cNvPr id="96" name="Google Shape;96;p14"/>
-          <p:cNvSpPr txBox="1"/>
-          <p:nvPr/>
-        </p:nvSpPr>
-        <p:spPr>
-          <a:xfrm>
-            <a:off x="261621" y="1066326"/>
-            <a:ext cx="11277600" cy="741009"/>
-          </a:xfrm>
-          <a:prstGeom prst="rect">
-            <a:avLst/>
-          </a:prstGeom>
-          <a:noFill/>
-          <a:ln>
-            <a:noFill/>
-          </a:ln>
-        </p:spPr>
-        <p:txBody>
-          <a:bodyPr spcFirstLastPara="1" wrap="square" lIns="121900" tIns="121900" rIns="121900" bIns="121900" anchor="t" anchorCtr="0">
-            <a:noAutofit/>
-          </a:bodyPr>
-          <a:lstStyle/>
-          <a:p>
-            <a:pPr marL="444498" indent="-342900">
-              <a:buSzPct val="100000"/>
-              <a:buFont typeface="Arial" panose="020B0604020202020204" pitchFamily="34" charset="0"/>
-              <a:buChar char="•"/>
-            </a:pPr>
-            <a:r>
-              <a:rPr lang="en-US" dirty="0"/>
-              <a:t>Example: Does money makes people happy?</a:t>
-            </a:r>
-          </a:p>
-          <a:p>
-            <a:pPr marL="1054083" lvl="1" indent="-342900">
-              <a:buSzPct val="100000"/>
-              <a:buFont typeface="Arial" panose="020B0604020202020204" pitchFamily="34" charset="0"/>
-              <a:buChar char="•"/>
-            </a:pPr>
-            <a:r>
-              <a:rPr lang="en-US" dirty="0"/>
-              <a:t>Data available for Download </a:t>
-            </a:r>
-          </a:p>
-          <a:p>
-            <a:pPr marL="1663668" lvl="2" indent="-342900">
-              <a:buSzPct val="100000"/>
-              <a:buFont typeface="Arial" panose="020B0604020202020204" pitchFamily="34" charset="0"/>
-              <a:buChar char="•"/>
-            </a:pPr>
-            <a:r>
-              <a:rPr lang="en-US" dirty="0"/>
-              <a:t>“Better Life Index” data from the OECD’s website </a:t>
-            </a:r>
-          </a:p>
-          <a:p>
-            <a:pPr marL="1663668" lvl="2" indent="-342900">
-              <a:buSzPct val="100000"/>
-              <a:buFont typeface="Arial" panose="020B0604020202020204" pitchFamily="34" charset="0"/>
-              <a:buChar char="•"/>
-            </a:pPr>
-            <a:r>
-              <a:rPr lang="en-US" dirty="0"/>
-              <a:t>GDP per capita from the IMF’s website. </a:t>
-            </a:r>
-          </a:p>
-          <a:p>
-            <a:pPr marL="1054083" lvl="1" indent="-342900">
-              <a:buSzPct val="100000"/>
-              <a:buFont typeface="Arial" panose="020B0604020202020204" pitchFamily="34" charset="0"/>
-              <a:buChar char="•"/>
-            </a:pPr>
-            <a:r>
-              <a:rPr lang="en-US" dirty="0"/>
-              <a:t>Plot the data for a few random countries</a:t>
-            </a:r>
-          </a:p>
-          <a:p>
-            <a:pPr marL="609585" indent="-507987">
-              <a:buSzPct val="100000"/>
-              <a:buChar char="●"/>
-            </a:pPr>
-            <a:endParaRPr lang="en-US" dirty="0"/>
-          </a:p>
-        </p:txBody>
-      </p:sp>
-      <p:pic>
-        <p:nvPicPr>
-          <p:cNvPr id="4" name="Picture 3">
-            <a:extLst>
-              <a:ext uri="{FF2B5EF4-FFF2-40B4-BE49-F238E27FC236}">
-                <a16:creationId xmlns:a16="http://schemas.microsoft.com/office/drawing/2014/main" id="{60B38C88-E0BE-4C55-B635-E8A900C9B2ED}"/>
-              </a:ext>
-            </a:extLst>
-          </p:cNvPr>
-          <p:cNvPicPr>
-            <a:picLocks noChangeAspect="1"/>
-          </p:cNvPicPr>
-          <p:nvPr/>
-        </p:nvPicPr>
-        <p:blipFill>
-          <a:blip r:embed="rId3"/>
-          <a:stretch>
-            <a:fillRect/>
-          </a:stretch>
-        </p:blipFill>
-        <p:spPr>
-          <a:xfrm>
-            <a:off x="1456715" y="3470033"/>
-            <a:ext cx="3240046" cy="1727273"/>
-          </a:xfrm>
-          <a:prstGeom prst="rect">
-            <a:avLst/>
-          </a:prstGeom>
-        </p:spPr>
-      </p:pic>
-      <p:pic>
-        <p:nvPicPr>
-          <p:cNvPr id="5" name="Picture 4">
-            <a:extLst>
-              <a:ext uri="{FF2B5EF4-FFF2-40B4-BE49-F238E27FC236}">
-                <a16:creationId xmlns:a16="http://schemas.microsoft.com/office/drawing/2014/main" id="{01344AFE-8459-4DB9-8E92-1A3336B39BC1}"/>
-              </a:ext>
-            </a:extLst>
-          </p:cNvPr>
-          <p:cNvPicPr>
-            <a:picLocks noChangeAspect="1"/>
-          </p:cNvPicPr>
-          <p:nvPr/>
-        </p:nvPicPr>
-        <p:blipFill>
-          <a:blip r:embed="rId4"/>
-          <a:stretch>
-            <a:fillRect/>
-          </a:stretch>
-        </p:blipFill>
-        <p:spPr>
-          <a:xfrm>
-            <a:off x="6203573" y="3331529"/>
-            <a:ext cx="3612865" cy="2004280"/>
-          </a:xfrm>
-          <a:prstGeom prst="rect">
-            <a:avLst/>
-          </a:prstGeom>
-        </p:spPr>
-      </p:pic>
-      <p:sp>
-        <p:nvSpPr>
-          <p:cNvPr id="6" name="TextBox 5">
-            <a:extLst>
-              <a:ext uri="{FF2B5EF4-FFF2-40B4-BE49-F238E27FC236}">
-                <a16:creationId xmlns:a16="http://schemas.microsoft.com/office/drawing/2014/main" id="{9F3F8E88-98A6-499B-ABE5-694F5B6D6A31}"/>
-              </a:ext>
-            </a:extLst>
-          </p:cNvPr>
-          <p:cNvSpPr txBox="1"/>
-          <p:nvPr/>
-        </p:nvSpPr>
-        <p:spPr>
-          <a:xfrm>
-            <a:off x="3305611" y="5869974"/>
-            <a:ext cx="5580779" cy="400110"/>
-          </a:xfrm>
-          <a:prstGeom prst="rect">
-            <a:avLst/>
-          </a:prstGeom>
-          <a:solidFill>
-            <a:srgbClr val="E46102"/>
-          </a:solidFill>
-        </p:spPr>
-        <p:txBody>
-          <a:bodyPr wrap="square" rtlCol="0" anchor="ctr">
-            <a:spAutoFit/>
-          </a:bodyPr>
-          <a:lstStyle/>
-          <a:p>
-            <a:pPr algn="ctr"/>
-            <a:r>
-              <a:rPr lang="en-US" sz="2000" b="1" dirty="0"/>
-              <a:t>Model Selection – Linear Model</a:t>
-            </a:r>
-          </a:p>
-        </p:txBody>
-      </p:sp>
-    </p:spTree>
-    <p:extLst>
-      <p:ext uri="{BB962C8B-B14F-4D97-AF65-F5344CB8AC3E}">
-        <p14:creationId xmlns:p14="http://schemas.microsoft.com/office/powerpoint/2010/main" val="185618136"/>
-      </p:ext>
-    </p:extLst>
-  </p:cSld>
-  <p:clrMapOvr>
-    <a:masterClrMapping/>
-  </p:clrMapOvr>
-</p:sld>
-</file>
-
-<file path=ppt/slides/slide29.xml><?xml version="1.0" encoding="utf-8"?>
-<p:sld xmlns:a="http://schemas.openxmlformats.org/drawingml/2006/main" xmlns:r="http://schemas.openxmlformats.org/officeDocument/2006/relationships" xmlns:p="http://schemas.openxmlformats.org/presentationml/2006/main">
-  <p:cSld>
-    <p:spTree>
-      <p:nvGrpSpPr>
-        <p:cNvPr id="1" name="Shape 94"/>
-        <p:cNvGrpSpPr/>
-        <p:nvPr/>
-      </p:nvGrpSpPr>
-      <p:grpSpPr>
-        <a:xfrm>
-          <a:off x="0" y="0"/>
-          <a:ext cx="0" cy="0"/>
-          <a:chOff x="0" y="0"/>
-          <a:chExt cx="0" cy="0"/>
-        </a:xfrm>
-      </p:grpSpPr>
-      <p:sp>
-        <p:nvSpPr>
-          <p:cNvPr id="95" name="Google Shape;95;p14"/>
-          <p:cNvSpPr txBox="1">
-            <a:spLocks noGrp="1"/>
-          </p:cNvSpPr>
-          <p:nvPr>
-            <p:ph type="title" idx="4294967295"/>
-          </p:nvPr>
-        </p:nvSpPr>
-        <p:spPr>
-          <a:xfrm>
-            <a:off x="717173" y="559537"/>
-            <a:ext cx="10972800" cy="506789"/>
-          </a:xfrm>
-          <a:prstGeom prst="rect">
-            <a:avLst/>
-          </a:prstGeom>
-        </p:spPr>
-        <p:txBody>
-          <a:bodyPr spcFirstLastPara="1" wrap="square" lIns="121900" tIns="121900" rIns="121900" bIns="121900" anchor="ctr" anchorCtr="0">
-            <a:noAutofit/>
-          </a:bodyPr>
-          <a:lstStyle/>
-          <a:p>
-            <a:r>
-              <a:rPr lang="en-US" sz="4000" b="1" dirty="0">
-                <a:solidFill>
-                  <a:srgbClr val="E46102"/>
-                </a:solidFill>
-              </a:rPr>
-              <a:t>Simple Linear Model</a:t>
-            </a:r>
-            <a:endParaRPr sz="4000" b="1" dirty="0">
-              <a:solidFill>
-                <a:srgbClr val="E46102"/>
-              </a:solidFill>
-            </a:endParaRPr>
-          </a:p>
-        </p:txBody>
-      </p:sp>
-      <p:sp>
-        <p:nvSpPr>
-          <p:cNvPr id="96" name="Google Shape;96;p14"/>
-          <p:cNvSpPr txBox="1"/>
-          <p:nvPr/>
-        </p:nvSpPr>
-        <p:spPr>
-          <a:xfrm>
-            <a:off x="311422" y="812930"/>
-            <a:ext cx="11277600" cy="5042664"/>
-          </a:xfrm>
-          <a:prstGeom prst="rect">
-            <a:avLst/>
-          </a:prstGeom>
-          <a:noFill/>
-          <a:ln>
-            <a:noFill/>
-          </a:ln>
-        </p:spPr>
-        <p:txBody>
-          <a:bodyPr spcFirstLastPara="1" wrap="square" lIns="121900" tIns="121900" rIns="121900" bIns="121900" anchor="t" anchorCtr="0">
-            <a:noAutofit/>
-          </a:bodyPr>
-          <a:lstStyle/>
-          <a:p>
-            <a:pPr marL="101598">
-              <a:buSzPct val="100000"/>
-            </a:pPr>
-            <a:endParaRPr lang="en-US" sz="2000" dirty="0"/>
-          </a:p>
-          <a:p>
-            <a:pPr marL="609585" indent="-507987">
-              <a:buSzPct val="100000"/>
-              <a:buChar char="●"/>
-            </a:pPr>
-            <a:endParaRPr lang="en-US" sz="2000" dirty="0"/>
-          </a:p>
-          <a:p>
-            <a:pPr marL="609585" indent="-507987">
-              <a:buSzPct val="100000"/>
-              <a:buChar char="●"/>
-            </a:pPr>
-            <a:r>
-              <a:rPr lang="en-US" sz="2000" dirty="0"/>
-              <a:t>A linear model for Life satisfaction:</a:t>
-            </a:r>
-          </a:p>
-          <a:p>
-            <a:pPr marL="711183" lvl="1">
-              <a:buSzPct val="100000"/>
-            </a:pPr>
-            <a:r>
-              <a:rPr lang="en-US" sz="2000" dirty="0" err="1"/>
-              <a:t>life_satisfaction</a:t>
-            </a:r>
-            <a:r>
-              <a:rPr lang="en-US" sz="2000" dirty="0"/>
-              <a:t> = </a:t>
-            </a:r>
-            <a:r>
-              <a:rPr lang="en-US" sz="2000" i="1" dirty="0"/>
-              <a:t>θ</a:t>
-            </a:r>
-            <a:r>
-              <a:rPr lang="en-US" sz="2000" i="1" baseline="-25000" dirty="0"/>
-              <a:t>0 + </a:t>
-            </a:r>
-            <a:r>
-              <a:rPr lang="en-US" sz="2000" i="1" dirty="0"/>
-              <a:t>θ</a:t>
-            </a:r>
-            <a:r>
-              <a:rPr lang="en-US" sz="2000" i="1" baseline="-25000" dirty="0"/>
-              <a:t>1</a:t>
-            </a:r>
-            <a:r>
-              <a:rPr lang="en-US" sz="2000" i="1" dirty="0"/>
-              <a:t> x </a:t>
-            </a:r>
-            <a:r>
-              <a:rPr lang="en-US" sz="2000" i="1" dirty="0" err="1"/>
-              <a:t>GDP_per_capita</a:t>
-            </a:r>
-            <a:endParaRPr lang="en-US" sz="2000" i="1" dirty="0"/>
-          </a:p>
-          <a:p>
-            <a:pPr marL="609585" indent="-507987">
-              <a:buSzPct val="100000"/>
-              <a:buChar char="●"/>
-            </a:pPr>
-            <a:endParaRPr lang="en-US" sz="2000" dirty="0"/>
-          </a:p>
-          <a:p>
-            <a:pPr marL="101598">
-              <a:buSzPct val="100000"/>
-            </a:pPr>
-            <a:r>
-              <a:rPr lang="en-US" sz="2000" dirty="0"/>
-              <a:t>	where, the two model parameters are, </a:t>
-            </a:r>
-            <a:r>
-              <a:rPr lang="en-US" sz="2000" i="1" dirty="0"/>
-              <a:t>θ</a:t>
-            </a:r>
-            <a:r>
-              <a:rPr lang="en-US" sz="2000" i="1" baseline="-25000" dirty="0"/>
-              <a:t>0</a:t>
-            </a:r>
-            <a:r>
-              <a:rPr lang="en-US" sz="2000" dirty="0"/>
-              <a:t> and </a:t>
-            </a:r>
-            <a:r>
-              <a:rPr lang="en-US" sz="2000" i="1" dirty="0"/>
-              <a:t>θ</a:t>
-            </a:r>
-            <a:r>
-              <a:rPr lang="en-US" sz="2000" i="1" baseline="-25000" dirty="0"/>
-              <a:t>1</a:t>
-            </a:r>
-            <a:endParaRPr lang="en-US" sz="2000" i="1" dirty="0"/>
-          </a:p>
-          <a:p>
-            <a:pPr marL="101598">
-              <a:buSzPct val="100000"/>
-            </a:pPr>
-            <a:r>
-              <a:rPr lang="en-US" sz="2000" dirty="0"/>
-              <a:t>		, tweak them to make your model represent any linear function.</a:t>
-            </a:r>
-          </a:p>
-          <a:p>
-            <a:pPr marL="609585" indent="-507987">
-              <a:buSzPct val="100000"/>
-              <a:buChar char="●"/>
-            </a:pPr>
-            <a:endParaRPr lang="en-US" sz="2000" dirty="0"/>
-          </a:p>
-          <a:p>
-            <a:pPr marL="609585" indent="-507987">
-              <a:buSzPct val="100000"/>
-              <a:buChar char="●"/>
-            </a:pPr>
-            <a:r>
-              <a:rPr lang="en-US" sz="2000" u="sng" dirty="0"/>
-              <a:t>Before you use your linear model, </a:t>
-            </a:r>
-            <a:r>
-              <a:rPr lang="en-US" sz="2000" dirty="0"/>
-              <a:t>you need to define the parameter values of </a:t>
-            </a:r>
-            <a:r>
-              <a:rPr lang="en-US" sz="2000" i="1" dirty="0"/>
-              <a:t>θ</a:t>
-            </a:r>
-            <a:r>
-              <a:rPr lang="en-US" sz="2000" i="1" baseline="-25000" dirty="0"/>
-              <a:t>0</a:t>
-            </a:r>
-            <a:r>
-              <a:rPr lang="en-US" sz="2000" i="1" dirty="0"/>
-              <a:t> </a:t>
-            </a:r>
-            <a:r>
-              <a:rPr lang="en-US" sz="2000" dirty="0"/>
-              <a:t>and</a:t>
-            </a:r>
-            <a:r>
-              <a:rPr lang="en-US" sz="2000" i="1" baseline="-25000" dirty="0"/>
-              <a:t> </a:t>
-            </a:r>
-            <a:r>
-              <a:rPr lang="en-US" sz="2000" i="1" dirty="0"/>
-              <a:t>θ</a:t>
-            </a:r>
-            <a:r>
-              <a:rPr lang="en-US" sz="2000" i="1" baseline="-25000" dirty="0"/>
-              <a:t>1.</a:t>
-            </a:r>
-          </a:p>
-          <a:p>
-            <a:pPr marL="1219170" lvl="1" indent="-507987">
-              <a:buSzPct val="100000"/>
-              <a:buChar char="●"/>
-            </a:pPr>
-            <a:r>
-              <a:rPr lang="en-US" sz="2000" dirty="0"/>
-              <a:t>those that make your model perform best</a:t>
-            </a:r>
-          </a:p>
-        </p:txBody>
-      </p:sp>
-      <p:sp>
-        <p:nvSpPr>
-          <p:cNvPr id="3" name="TextBox 2">
-            <a:extLst>
-              <a:ext uri="{FF2B5EF4-FFF2-40B4-BE49-F238E27FC236}">
-                <a16:creationId xmlns:a16="http://schemas.microsoft.com/office/drawing/2014/main" id="{8336C952-2ED4-4267-88C4-A6FF51E45930}"/>
-              </a:ext>
-            </a:extLst>
-          </p:cNvPr>
-          <p:cNvSpPr txBox="1"/>
-          <p:nvPr/>
-        </p:nvSpPr>
-        <p:spPr>
-          <a:xfrm>
-            <a:off x="1056068" y="4336234"/>
-            <a:ext cx="9882388" cy="1200329"/>
-          </a:xfrm>
-          <a:prstGeom prst="rect">
-            <a:avLst/>
-          </a:prstGeom>
-          <a:noFill/>
-          <a:ln>
-            <a:solidFill>
-              <a:srgbClr val="E46102"/>
-            </a:solidFill>
-          </a:ln>
-        </p:spPr>
-        <p:txBody>
-          <a:bodyPr wrap="square" rtlCol="0">
-            <a:spAutoFit/>
-          </a:bodyPr>
-          <a:lstStyle/>
-          <a:p>
-            <a:pPr algn="ctr"/>
-            <a:r>
-              <a:rPr lang="en-US" b="1" dirty="0"/>
-              <a:t>Utility Function</a:t>
-            </a:r>
-            <a:r>
-              <a:rPr lang="en-US" dirty="0"/>
-              <a:t> – measures how good your model is</a:t>
-            </a:r>
-          </a:p>
-          <a:p>
-            <a:pPr algn="ctr"/>
-            <a:endParaRPr lang="en-US" dirty="0"/>
-          </a:p>
-          <a:p>
-            <a:pPr algn="ctr"/>
-            <a:r>
-              <a:rPr lang="en-US" b="1" dirty="0"/>
-              <a:t>Cost Function</a:t>
-            </a:r>
-            <a:r>
-              <a:rPr lang="en-US" dirty="0"/>
-              <a:t> – measures how bad your model is</a:t>
-            </a:r>
-          </a:p>
-        </p:txBody>
-      </p:sp>
-      <p:pic>
-        <p:nvPicPr>
-          <p:cNvPr id="2" name="Picture 1">
-            <a:extLst>
-              <a:ext uri="{FF2B5EF4-FFF2-40B4-BE49-F238E27FC236}">
-                <a16:creationId xmlns:a16="http://schemas.microsoft.com/office/drawing/2014/main" id="{451FF91E-8153-17F0-92DC-911F7B4C6D36}"/>
-              </a:ext>
-            </a:extLst>
-          </p:cNvPr>
-          <p:cNvPicPr>
-            <a:picLocks noChangeAspect="1"/>
-          </p:cNvPicPr>
-          <p:nvPr/>
-        </p:nvPicPr>
-        <p:blipFill>
-          <a:blip r:embed="rId3"/>
-          <a:stretch>
-            <a:fillRect/>
-          </a:stretch>
-        </p:blipFill>
-        <p:spPr>
-          <a:xfrm>
-            <a:off x="8579135" y="1066326"/>
-            <a:ext cx="3612865" cy="2004280"/>
-          </a:xfrm>
-          <a:prstGeom prst="rect">
-            <a:avLst/>
-          </a:prstGeom>
-        </p:spPr>
-      </p:pic>
-    </p:spTree>
-    <p:extLst>
-      <p:ext uri="{BB962C8B-B14F-4D97-AF65-F5344CB8AC3E}">
-        <p14:creationId xmlns:p14="http://schemas.microsoft.com/office/powerpoint/2010/main" val="1471025527"/>
-      </p:ext>
-    </p:extLst>
-  </p:cSld>
-  <p:clrMapOvr>
-    <a:masterClrMapping/>
-  </p:clrMapOvr>
-</p:sld>
-</file>
-
 <file path=ppt/slides/slide3.xml><?xml version="1.0" encoding="utf-8"?>
 <p:sld xmlns:a="http://schemas.openxmlformats.org/drawingml/2006/main" xmlns:r="http://schemas.openxmlformats.org/officeDocument/2006/relationships" xmlns:p="http://schemas.openxmlformats.org/presentationml/2006/main">
   <p:cSld>
@@ -21353,22 +21794,11 @@
             </a:pPr>
             <a:r>
               <a:rPr lang="en-US" sz="2800" dirty="0"/>
-              <a:t>Review from Last class</a:t>
-            </a:r>
-          </a:p>
-          <a:p>
-            <a:pPr marL="1168383" lvl="1" indent="-457200">
-              <a:buSzPts val="2400"/>
-              <a:buFont typeface="Arial" panose="020B0604020202020204" pitchFamily="34" charset="0"/>
-              <a:buChar char="•"/>
-            </a:pPr>
-            <a:r>
-              <a:rPr lang="en-US" sz="2800" dirty="0"/>
               <a:t>Types of Machine Learning models</a:t>
             </a:r>
           </a:p>
           <a:p>
-            <a:pPr marL="1168383" lvl="1" indent="-457200">
+            <a:pPr marL="558798" indent="-457200">
               <a:buSzPts val="2400"/>
               <a:buFont typeface="Arial" panose="020B0604020202020204" pitchFamily="34" charset="0"/>
               <a:buChar char="•"/>
@@ -21545,7 +21975,7 @@
                                         <p:tgtEl>
                                           <p:spTgt spid="96">
                                             <p:txEl>
-                                              <p:pRg st="2" end="2"/>
+                                              <p:pRg st="1" end="1"/>
                                             </p:txEl>
                                           </p:spTgt>
                                         </p:tgtEl>
@@ -21563,7 +21993,7 @@
                                         <p:tgtEl>
                                           <p:spTgt spid="96">
                                             <p:txEl>
-                                              <p:pRg st="2" end="2"/>
+                                              <p:pRg st="1" end="1"/>
                                             </p:txEl>
                                           </p:spTgt>
                                         </p:tgtEl>
@@ -21667,7 +22097,7 @@
                                         <p:tgtEl>
                                           <p:spTgt spid="96">
                                             <p:txEl>
-                                              <p:pRg st="1" end="1"/>
+                                              <p:pRg st="2" end="2"/>
                                             </p:txEl>
                                           </p:spTgt>
                                         </p:tgtEl>
@@ -21685,7 +22115,7 @@
                                         <p:tgtEl>
                                           <p:spTgt spid="96">
                                             <p:txEl>
-                                              <p:pRg st="1" end="1"/>
+                                              <p:pRg st="2" end="2"/>
                                             </p:txEl>
                                           </p:spTgt>
                                         </p:tgtEl>
@@ -22127,67 +22557,6 @@
                       </p:childTnLst>
                     </p:cTn>
                   </p:par>
-                  <p:par>
-                    <p:cTn id="53" fill="hold">
-                      <p:stCondLst>
-                        <p:cond delay="indefinite"/>
-                      </p:stCondLst>
-                      <p:childTnLst>
-                        <p:par>
-                          <p:cTn id="54" fill="hold">
-                            <p:stCondLst>
-                              <p:cond delay="0"/>
-                            </p:stCondLst>
-                            <p:childTnLst>
-                              <p:par>
-                                <p:cTn id="55" presetID="10" presetClass="entr" presetSubtype="0" fill="hold" nodeType="clickEffect">
-                                  <p:stCondLst>
-                                    <p:cond delay="0"/>
-                                  </p:stCondLst>
-                                  <p:childTnLst>
-                                    <p:set>
-                                      <p:cBhvr>
-                                        <p:cTn id="56" dur="1" fill="hold">
-                                          <p:stCondLst>
-                                            <p:cond delay="0"/>
-                                          </p:stCondLst>
-                                        </p:cTn>
-                                        <p:tgtEl>
-                                          <p:spTgt spid="96">
-                                            <p:txEl>
-                                              <p:pRg st="10" end="10"/>
-                                            </p:txEl>
-                                          </p:spTgt>
-                                        </p:tgtEl>
-                                        <p:attrNameLst>
-                                          <p:attrName>style.visibility</p:attrName>
-                                        </p:attrNameLst>
-                                      </p:cBhvr>
-                                      <p:to>
-                                        <p:strVal val="visible"/>
-                                      </p:to>
-                                    </p:set>
-                                    <p:animEffect transition="in" filter="fade">
-                                      <p:cBhvr>
-                                        <p:cTn id="57" dur="1000"/>
-                                        <p:tgtEl>
-                                          <p:spTgt spid="96">
-                                            <p:txEl>
-                                              <p:pRg st="10" end="10"/>
-                                            </p:txEl>
-                                          </p:spTgt>
-                                        </p:tgtEl>
-                                      </p:cBhvr>
-                                    </p:animEffect>
-                                  </p:childTnLst>
-                                </p:cTn>
-                              </p:par>
-                            </p:childTnLst>
-                          </p:cTn>
-                        </p:par>
-                      </p:childTnLst>
-                    </p:cTn>
-                  </p:par>
                 </p:childTnLst>
               </p:cTn>
               <p:prevCondLst>
@@ -22214,6 +22583,808 @@
 </file>
 
 <file path=ppt/slides/slide30.xml><?xml version="1.0" encoding="utf-8"?>
+<p:sld xmlns:a="http://schemas.openxmlformats.org/drawingml/2006/main" xmlns:r="http://schemas.openxmlformats.org/officeDocument/2006/relationships" xmlns:p="http://schemas.openxmlformats.org/presentationml/2006/main">
+  <p:cSld>
+    <p:spTree>
+      <p:nvGrpSpPr>
+        <p:cNvPr id="1" name="Shape 94"/>
+        <p:cNvGrpSpPr/>
+        <p:nvPr/>
+      </p:nvGrpSpPr>
+      <p:grpSpPr>
+        <a:xfrm>
+          <a:off x="0" y="0"/>
+          <a:ext cx="0" cy="0"/>
+          <a:chOff x="0" y="0"/>
+          <a:chExt cx="0" cy="0"/>
+        </a:xfrm>
+      </p:grpSpPr>
+      <p:sp>
+        <p:nvSpPr>
+          <p:cNvPr id="95" name="Google Shape;95;p14"/>
+          <p:cNvSpPr txBox="1">
+            <a:spLocks noGrp="1"/>
+          </p:cNvSpPr>
+          <p:nvPr>
+            <p:ph type="title" idx="4294967295"/>
+          </p:nvPr>
+        </p:nvSpPr>
+        <p:spPr>
+          <a:xfrm>
+            <a:off x="717173" y="559537"/>
+            <a:ext cx="10972800" cy="506789"/>
+          </a:xfrm>
+          <a:prstGeom prst="rect">
+            <a:avLst/>
+          </a:prstGeom>
+        </p:spPr>
+        <p:txBody>
+          <a:bodyPr spcFirstLastPara="1" wrap="square" lIns="121900" tIns="121900" rIns="121900" bIns="121900" anchor="ctr" anchorCtr="0">
+            <a:noAutofit/>
+          </a:bodyPr>
+          <a:lstStyle/>
+          <a:p>
+            <a:r>
+              <a:rPr lang="en-US" sz="4000" b="1" dirty="0">
+                <a:solidFill>
+                  <a:srgbClr val="E46102"/>
+                </a:solidFill>
+              </a:rPr>
+              <a:t>Bayes Classifier</a:t>
+            </a:r>
+            <a:endParaRPr sz="4000" b="1" dirty="0">
+              <a:solidFill>
+                <a:srgbClr val="E46102"/>
+              </a:solidFill>
+            </a:endParaRPr>
+          </a:p>
+        </p:txBody>
+      </p:sp>
+      <p:sp>
+        <p:nvSpPr>
+          <p:cNvPr id="96" name="Google Shape;96;p14"/>
+          <p:cNvSpPr txBox="1"/>
+          <p:nvPr/>
+        </p:nvSpPr>
+        <p:spPr>
+          <a:xfrm>
+            <a:off x="311422" y="1086679"/>
+            <a:ext cx="11277600" cy="4517124"/>
+          </a:xfrm>
+          <a:prstGeom prst="rect">
+            <a:avLst/>
+          </a:prstGeom>
+          <a:noFill/>
+          <a:ln>
+            <a:noFill/>
+          </a:ln>
+        </p:spPr>
+        <p:txBody>
+          <a:bodyPr spcFirstLastPara="1" wrap="square" lIns="121900" tIns="121900" rIns="121900" bIns="121900" anchor="t" anchorCtr="0">
+            <a:noAutofit/>
+          </a:bodyPr>
+          <a:lstStyle/>
+          <a:p>
+            <a:pPr marL="101598" algn="ctr">
+              <a:buSzPct val="100000"/>
+            </a:pPr>
+            <a:r>
+              <a:rPr lang="en-US" sz="2800" dirty="0"/>
+              <a:t>Class exercise</a:t>
+            </a:r>
+          </a:p>
+          <a:p>
+            <a:pPr marL="615948" indent="-514350">
+              <a:buSzPct val="100000"/>
+              <a:buAutoNum type="arabicPeriod"/>
+            </a:pPr>
+            <a:r>
+              <a:rPr lang="en-US" sz="2800" dirty="0"/>
+              <a:t>Use famous iris dataset. </a:t>
+            </a:r>
+            <a:r>
+              <a:rPr lang="en-US" sz="2800" dirty="0" err="1"/>
+              <a:t>Link:https</a:t>
+            </a:r>
+            <a:r>
+              <a:rPr lang="en-US" sz="2800" dirty="0"/>
+              <a:t>://</a:t>
+            </a:r>
+            <a:r>
+              <a:rPr lang="en-US" sz="2800" dirty="0" err="1"/>
+              <a:t>archive.ics.uci.edu</a:t>
+            </a:r>
+            <a:r>
+              <a:rPr lang="en-US" sz="2800" dirty="0"/>
+              <a:t>/ml/datasets/iris</a:t>
+            </a:r>
+          </a:p>
+          <a:p>
+            <a:pPr marL="101598">
+              <a:buSzPct val="100000"/>
+            </a:pPr>
+            <a:r>
+              <a:rPr lang="en-US" dirty="0"/>
+              <a:t>     (I’ve added it in dataset folder for ease of use)</a:t>
+            </a:r>
+          </a:p>
+          <a:p>
+            <a:pPr lvl="1"/>
+            <a:r>
+              <a:rPr lang="en-US" sz="2800" dirty="0"/>
+              <a:t>The iris dataset contains the following data</a:t>
+            </a:r>
+          </a:p>
+          <a:p>
+            <a:pPr lvl="1"/>
+            <a:r>
+              <a:rPr lang="en-US" sz="2800" dirty="0"/>
+              <a:t>50 samples of 3 different species of iris (150 samples total)</a:t>
+            </a:r>
+          </a:p>
+          <a:p>
+            <a:pPr lvl="1"/>
+            <a:r>
+              <a:rPr lang="en-US" sz="2800" dirty="0"/>
+              <a:t>Measurements: sepal length, sepal width, petal length, petal width</a:t>
+            </a:r>
+          </a:p>
+          <a:p>
+            <a:pPr lvl="1"/>
+            <a:r>
+              <a:rPr lang="en-US" sz="2800" dirty="0"/>
+              <a:t>The format for the data: (sepal length, sepal width, petal length, petal width)</a:t>
+            </a:r>
+          </a:p>
+          <a:p>
+            <a:pPr marL="101598">
+              <a:buSzPct val="100000"/>
+            </a:pPr>
+            <a:r>
+              <a:rPr lang="en-US" sz="2800" dirty="0"/>
+              <a:t>2. Open google </a:t>
+            </a:r>
+            <a:r>
+              <a:rPr lang="en-US" sz="2800" dirty="0" err="1"/>
+              <a:t>colab</a:t>
+            </a:r>
+            <a:endParaRPr lang="en-US" sz="2800" dirty="0"/>
+          </a:p>
+          <a:p>
+            <a:pPr marL="101598">
+              <a:buSzPct val="100000"/>
+            </a:pPr>
+            <a:r>
+              <a:rPr lang="en-US" sz="2800" dirty="0"/>
+              <a:t>3. Follow along the code in class</a:t>
+            </a:r>
+          </a:p>
+        </p:txBody>
+      </p:sp>
+    </p:spTree>
+    <p:extLst>
+      <p:ext uri="{BB962C8B-B14F-4D97-AF65-F5344CB8AC3E}">
+        <p14:creationId xmlns:p14="http://schemas.microsoft.com/office/powerpoint/2010/main" val="1643733331"/>
+      </p:ext>
+    </p:extLst>
+  </p:cSld>
+  <p:clrMapOvr>
+    <a:masterClrMapping/>
+  </p:clrMapOvr>
+</p:sld>
+</file>
+
+<file path=ppt/slides/slide31.xml><?xml version="1.0" encoding="utf-8"?>
+<p:sld xmlns:a="http://schemas.openxmlformats.org/drawingml/2006/main" xmlns:r="http://schemas.openxmlformats.org/officeDocument/2006/relationships" xmlns:p="http://schemas.openxmlformats.org/presentationml/2006/main">
+  <p:cSld>
+    <p:spTree>
+      <p:nvGrpSpPr>
+        <p:cNvPr id="1" name="Shape 94"/>
+        <p:cNvGrpSpPr/>
+        <p:nvPr/>
+      </p:nvGrpSpPr>
+      <p:grpSpPr>
+        <a:xfrm>
+          <a:off x="0" y="0"/>
+          <a:ext cx="0" cy="0"/>
+          <a:chOff x="0" y="0"/>
+          <a:chExt cx="0" cy="0"/>
+        </a:xfrm>
+      </p:grpSpPr>
+      <p:sp>
+        <p:nvSpPr>
+          <p:cNvPr id="95" name="Google Shape;95;p14"/>
+          <p:cNvSpPr txBox="1">
+            <a:spLocks noGrp="1"/>
+          </p:cNvSpPr>
+          <p:nvPr>
+            <p:ph type="title" idx="4294967295"/>
+          </p:nvPr>
+        </p:nvSpPr>
+        <p:spPr>
+          <a:xfrm>
+            <a:off x="717173" y="559537"/>
+            <a:ext cx="10972800" cy="506789"/>
+          </a:xfrm>
+          <a:prstGeom prst="rect">
+            <a:avLst/>
+          </a:prstGeom>
+        </p:spPr>
+        <p:txBody>
+          <a:bodyPr spcFirstLastPara="1" wrap="square" lIns="121900" tIns="121900" rIns="121900" bIns="121900" anchor="ctr" anchorCtr="0">
+            <a:noAutofit/>
+          </a:bodyPr>
+          <a:lstStyle/>
+          <a:p>
+            <a:r>
+              <a:rPr lang="en-US" sz="4000" b="1" dirty="0">
+                <a:solidFill>
+                  <a:srgbClr val="E46102"/>
+                </a:solidFill>
+              </a:rPr>
+              <a:t>Simple Linear Model</a:t>
+            </a:r>
+            <a:endParaRPr sz="4000" b="1" dirty="0">
+              <a:solidFill>
+                <a:srgbClr val="E46102"/>
+              </a:solidFill>
+            </a:endParaRPr>
+          </a:p>
+        </p:txBody>
+      </p:sp>
+      <p:sp>
+        <p:nvSpPr>
+          <p:cNvPr id="96" name="Google Shape;96;p14"/>
+          <p:cNvSpPr txBox="1"/>
+          <p:nvPr/>
+        </p:nvSpPr>
+        <p:spPr>
+          <a:xfrm>
+            <a:off x="261621" y="1066326"/>
+            <a:ext cx="11277600" cy="741009"/>
+          </a:xfrm>
+          <a:prstGeom prst="rect">
+            <a:avLst/>
+          </a:prstGeom>
+          <a:noFill/>
+          <a:ln>
+            <a:noFill/>
+          </a:ln>
+        </p:spPr>
+        <p:txBody>
+          <a:bodyPr spcFirstLastPara="1" wrap="square" lIns="121900" tIns="121900" rIns="121900" bIns="121900" anchor="t" anchorCtr="0">
+            <a:noAutofit/>
+          </a:bodyPr>
+          <a:lstStyle/>
+          <a:p>
+            <a:pPr marL="444498" indent="-342900">
+              <a:buSzPct val="100000"/>
+              <a:buFont typeface="Arial" panose="020B0604020202020204" pitchFamily="34" charset="0"/>
+              <a:buChar char="•"/>
+            </a:pPr>
+            <a:r>
+              <a:rPr lang="en-US" dirty="0"/>
+              <a:t>Example: Does money makes people happy?</a:t>
+            </a:r>
+          </a:p>
+          <a:p>
+            <a:pPr marL="1054083" lvl="1" indent="-342900">
+              <a:buSzPct val="100000"/>
+              <a:buFont typeface="Arial" panose="020B0604020202020204" pitchFamily="34" charset="0"/>
+              <a:buChar char="•"/>
+            </a:pPr>
+            <a:r>
+              <a:rPr lang="en-US" dirty="0"/>
+              <a:t>Data available for Download </a:t>
+            </a:r>
+          </a:p>
+          <a:p>
+            <a:pPr marL="1663668" lvl="2" indent="-342900">
+              <a:buSzPct val="100000"/>
+              <a:buFont typeface="Arial" panose="020B0604020202020204" pitchFamily="34" charset="0"/>
+              <a:buChar char="•"/>
+            </a:pPr>
+            <a:r>
+              <a:rPr lang="en-US" dirty="0"/>
+              <a:t>“Better Life Index” data from the OECD’s website </a:t>
+            </a:r>
+          </a:p>
+          <a:p>
+            <a:pPr marL="1663668" lvl="2" indent="-342900">
+              <a:buSzPct val="100000"/>
+              <a:buFont typeface="Arial" panose="020B0604020202020204" pitchFamily="34" charset="0"/>
+              <a:buChar char="•"/>
+            </a:pPr>
+            <a:r>
+              <a:rPr lang="en-US" dirty="0"/>
+              <a:t>GDP per capita from the IMF’s website. </a:t>
+            </a:r>
+          </a:p>
+          <a:p>
+            <a:pPr marL="1054083" lvl="1" indent="-342900">
+              <a:buSzPct val="100000"/>
+              <a:buFont typeface="Arial" panose="020B0604020202020204" pitchFamily="34" charset="0"/>
+              <a:buChar char="•"/>
+            </a:pPr>
+            <a:r>
+              <a:rPr lang="en-US" dirty="0"/>
+              <a:t>Plot the data for a few random countries</a:t>
+            </a:r>
+          </a:p>
+          <a:p>
+            <a:pPr marL="609585" indent="-507987">
+              <a:buSzPct val="100000"/>
+              <a:buChar char="●"/>
+            </a:pPr>
+            <a:endParaRPr lang="en-US" dirty="0"/>
+          </a:p>
+        </p:txBody>
+      </p:sp>
+      <p:pic>
+        <p:nvPicPr>
+          <p:cNvPr id="4" name="Picture 3">
+            <a:extLst>
+              <a:ext uri="{FF2B5EF4-FFF2-40B4-BE49-F238E27FC236}">
+                <a16:creationId xmlns:a16="http://schemas.microsoft.com/office/drawing/2014/main" id="{60B38C88-E0BE-4C55-B635-E8A900C9B2ED}"/>
+              </a:ext>
+            </a:extLst>
+          </p:cNvPr>
+          <p:cNvPicPr>
+            <a:picLocks noChangeAspect="1"/>
+          </p:cNvPicPr>
+          <p:nvPr/>
+        </p:nvPicPr>
+        <p:blipFill>
+          <a:blip r:embed="rId3"/>
+          <a:stretch>
+            <a:fillRect/>
+          </a:stretch>
+        </p:blipFill>
+        <p:spPr>
+          <a:xfrm>
+            <a:off x="1456715" y="3470033"/>
+            <a:ext cx="3240046" cy="1727273"/>
+          </a:xfrm>
+          <a:prstGeom prst="rect">
+            <a:avLst/>
+          </a:prstGeom>
+        </p:spPr>
+      </p:pic>
+      <p:pic>
+        <p:nvPicPr>
+          <p:cNvPr id="5" name="Picture 4">
+            <a:extLst>
+              <a:ext uri="{FF2B5EF4-FFF2-40B4-BE49-F238E27FC236}">
+                <a16:creationId xmlns:a16="http://schemas.microsoft.com/office/drawing/2014/main" id="{01344AFE-8459-4DB9-8E92-1A3336B39BC1}"/>
+              </a:ext>
+            </a:extLst>
+          </p:cNvPr>
+          <p:cNvPicPr>
+            <a:picLocks noChangeAspect="1"/>
+          </p:cNvPicPr>
+          <p:nvPr/>
+        </p:nvPicPr>
+        <p:blipFill>
+          <a:blip r:embed="rId4"/>
+          <a:stretch>
+            <a:fillRect/>
+          </a:stretch>
+        </p:blipFill>
+        <p:spPr>
+          <a:xfrm>
+            <a:off x="6203573" y="3331529"/>
+            <a:ext cx="3612865" cy="2004280"/>
+          </a:xfrm>
+          <a:prstGeom prst="rect">
+            <a:avLst/>
+          </a:prstGeom>
+        </p:spPr>
+      </p:pic>
+      <p:sp>
+        <p:nvSpPr>
+          <p:cNvPr id="6" name="TextBox 5">
+            <a:extLst>
+              <a:ext uri="{FF2B5EF4-FFF2-40B4-BE49-F238E27FC236}">
+                <a16:creationId xmlns:a16="http://schemas.microsoft.com/office/drawing/2014/main" id="{9F3F8E88-98A6-499B-ABE5-694F5B6D6A31}"/>
+              </a:ext>
+            </a:extLst>
+          </p:cNvPr>
+          <p:cNvSpPr txBox="1"/>
+          <p:nvPr/>
+        </p:nvSpPr>
+        <p:spPr>
+          <a:xfrm>
+            <a:off x="3305611" y="5869974"/>
+            <a:ext cx="5580779" cy="400110"/>
+          </a:xfrm>
+          <a:prstGeom prst="rect">
+            <a:avLst/>
+          </a:prstGeom>
+          <a:solidFill>
+            <a:srgbClr val="E46102"/>
+          </a:solidFill>
+        </p:spPr>
+        <p:txBody>
+          <a:bodyPr wrap="square" rtlCol="0" anchor="ctr">
+            <a:spAutoFit/>
+          </a:bodyPr>
+          <a:lstStyle/>
+          <a:p>
+            <a:pPr algn="ctr"/>
+            <a:r>
+              <a:rPr lang="en-US" sz="2000" b="1" dirty="0"/>
+              <a:t>Model Selection – Linear Model</a:t>
+            </a:r>
+          </a:p>
+        </p:txBody>
+      </p:sp>
+    </p:spTree>
+    <p:extLst>
+      <p:ext uri="{BB962C8B-B14F-4D97-AF65-F5344CB8AC3E}">
+        <p14:creationId xmlns:p14="http://schemas.microsoft.com/office/powerpoint/2010/main" val="185618136"/>
+      </p:ext>
+    </p:extLst>
+  </p:cSld>
+  <p:clrMapOvr>
+    <a:masterClrMapping/>
+  </p:clrMapOvr>
+</p:sld>
+</file>
+
+<file path=ppt/slides/slide32.xml><?xml version="1.0" encoding="utf-8"?>
+<p:sld xmlns:a="http://schemas.openxmlformats.org/drawingml/2006/main" xmlns:r="http://schemas.openxmlformats.org/officeDocument/2006/relationships" xmlns:p="http://schemas.openxmlformats.org/presentationml/2006/main">
+  <p:cSld>
+    <p:spTree>
+      <p:nvGrpSpPr>
+        <p:cNvPr id="1" name="Shape 94"/>
+        <p:cNvGrpSpPr/>
+        <p:nvPr/>
+      </p:nvGrpSpPr>
+      <p:grpSpPr>
+        <a:xfrm>
+          <a:off x="0" y="0"/>
+          <a:ext cx="0" cy="0"/>
+          <a:chOff x="0" y="0"/>
+          <a:chExt cx="0" cy="0"/>
+        </a:xfrm>
+      </p:grpSpPr>
+      <p:sp>
+        <p:nvSpPr>
+          <p:cNvPr id="95" name="Google Shape;95;p14"/>
+          <p:cNvSpPr txBox="1">
+            <a:spLocks noGrp="1"/>
+          </p:cNvSpPr>
+          <p:nvPr>
+            <p:ph type="title" idx="4294967295"/>
+          </p:nvPr>
+        </p:nvSpPr>
+        <p:spPr>
+          <a:xfrm>
+            <a:off x="717173" y="559537"/>
+            <a:ext cx="10972800" cy="506789"/>
+          </a:xfrm>
+          <a:prstGeom prst="rect">
+            <a:avLst/>
+          </a:prstGeom>
+        </p:spPr>
+        <p:txBody>
+          <a:bodyPr spcFirstLastPara="1" wrap="square" lIns="121900" tIns="121900" rIns="121900" bIns="121900" anchor="ctr" anchorCtr="0">
+            <a:noAutofit/>
+          </a:bodyPr>
+          <a:lstStyle/>
+          <a:p>
+            <a:r>
+              <a:rPr lang="en-US" sz="4000" b="1" dirty="0">
+                <a:solidFill>
+                  <a:srgbClr val="E46102"/>
+                </a:solidFill>
+              </a:rPr>
+              <a:t>Simple Linear Model</a:t>
+            </a:r>
+            <a:endParaRPr sz="4000" b="1" dirty="0">
+              <a:solidFill>
+                <a:srgbClr val="E46102"/>
+              </a:solidFill>
+            </a:endParaRPr>
+          </a:p>
+        </p:txBody>
+      </p:sp>
+      <p:sp>
+        <p:nvSpPr>
+          <p:cNvPr id="96" name="Google Shape;96;p14"/>
+          <p:cNvSpPr txBox="1"/>
+          <p:nvPr/>
+        </p:nvSpPr>
+        <p:spPr>
+          <a:xfrm>
+            <a:off x="311422" y="812930"/>
+            <a:ext cx="11277600" cy="5042664"/>
+          </a:xfrm>
+          <a:prstGeom prst="rect">
+            <a:avLst/>
+          </a:prstGeom>
+          <a:noFill/>
+          <a:ln>
+            <a:noFill/>
+          </a:ln>
+        </p:spPr>
+        <p:txBody>
+          <a:bodyPr spcFirstLastPara="1" wrap="square" lIns="121900" tIns="121900" rIns="121900" bIns="121900" anchor="t" anchorCtr="0">
+            <a:noAutofit/>
+          </a:bodyPr>
+          <a:lstStyle/>
+          <a:p>
+            <a:pPr marL="101598">
+              <a:buSzPct val="100000"/>
+            </a:pPr>
+            <a:endParaRPr lang="en-US" sz="2000" dirty="0"/>
+          </a:p>
+          <a:p>
+            <a:pPr marL="609585" indent="-507987">
+              <a:buSzPct val="100000"/>
+              <a:buChar char="●"/>
+            </a:pPr>
+            <a:endParaRPr lang="en-US" sz="2000" dirty="0"/>
+          </a:p>
+          <a:p>
+            <a:pPr marL="609585" indent="-507987">
+              <a:buSzPct val="100000"/>
+              <a:buChar char="●"/>
+            </a:pPr>
+            <a:r>
+              <a:rPr lang="en-US" sz="2000" dirty="0"/>
+              <a:t>A linear model for Life satisfaction:</a:t>
+            </a:r>
+          </a:p>
+          <a:p>
+            <a:pPr marL="711183" lvl="1">
+              <a:buSzPct val="100000"/>
+            </a:pPr>
+            <a:r>
+              <a:rPr lang="en-US" sz="2000" dirty="0" err="1"/>
+              <a:t>life_satisfaction</a:t>
+            </a:r>
+            <a:r>
+              <a:rPr lang="en-US" sz="2000" dirty="0"/>
+              <a:t> = </a:t>
+            </a:r>
+            <a:r>
+              <a:rPr lang="en-US" sz="2000" i="1" dirty="0"/>
+              <a:t>θ</a:t>
+            </a:r>
+            <a:r>
+              <a:rPr lang="en-US" sz="2000" i="1" baseline="-25000" dirty="0"/>
+              <a:t>0 + </a:t>
+            </a:r>
+            <a:r>
+              <a:rPr lang="en-US" sz="2000" i="1" dirty="0"/>
+              <a:t>θ</a:t>
+            </a:r>
+            <a:r>
+              <a:rPr lang="en-US" sz="2000" i="1" baseline="-25000" dirty="0"/>
+              <a:t>1</a:t>
+            </a:r>
+            <a:r>
+              <a:rPr lang="en-US" sz="2000" i="1" dirty="0"/>
+              <a:t> x </a:t>
+            </a:r>
+            <a:r>
+              <a:rPr lang="en-US" sz="2000" i="1" dirty="0" err="1"/>
+              <a:t>GDP_per_capita</a:t>
+            </a:r>
+            <a:endParaRPr lang="en-US" sz="2000" i="1" dirty="0"/>
+          </a:p>
+          <a:p>
+            <a:pPr marL="609585" indent="-507987">
+              <a:buSzPct val="100000"/>
+              <a:buChar char="●"/>
+            </a:pPr>
+            <a:endParaRPr lang="en-US" sz="2000" dirty="0"/>
+          </a:p>
+          <a:p>
+            <a:pPr marL="101598">
+              <a:buSzPct val="100000"/>
+            </a:pPr>
+            <a:r>
+              <a:rPr lang="en-US" sz="2000" dirty="0"/>
+              <a:t>	where, the two model parameters are, </a:t>
+            </a:r>
+            <a:r>
+              <a:rPr lang="en-US" sz="2000" i="1" dirty="0"/>
+              <a:t>θ</a:t>
+            </a:r>
+            <a:r>
+              <a:rPr lang="en-US" sz="2000" i="1" baseline="-25000" dirty="0"/>
+              <a:t>0</a:t>
+            </a:r>
+            <a:r>
+              <a:rPr lang="en-US" sz="2000" dirty="0"/>
+              <a:t> and </a:t>
+            </a:r>
+            <a:r>
+              <a:rPr lang="en-US" sz="2000" i="1" dirty="0"/>
+              <a:t>θ</a:t>
+            </a:r>
+            <a:r>
+              <a:rPr lang="en-US" sz="2000" i="1" baseline="-25000" dirty="0"/>
+              <a:t>1</a:t>
+            </a:r>
+            <a:endParaRPr lang="en-US" sz="2000" i="1" dirty="0"/>
+          </a:p>
+          <a:p>
+            <a:pPr marL="101598">
+              <a:buSzPct val="100000"/>
+            </a:pPr>
+            <a:r>
+              <a:rPr lang="en-US" sz="2000" dirty="0"/>
+              <a:t>		, tweak them to make your model represent any linear function.</a:t>
+            </a:r>
+          </a:p>
+          <a:p>
+            <a:pPr marL="609585" indent="-507987">
+              <a:buSzPct val="100000"/>
+              <a:buChar char="●"/>
+            </a:pPr>
+            <a:endParaRPr lang="en-US" sz="2000" dirty="0"/>
+          </a:p>
+          <a:p>
+            <a:pPr marL="609585" indent="-507987">
+              <a:buSzPct val="100000"/>
+              <a:buChar char="●"/>
+            </a:pPr>
+            <a:r>
+              <a:rPr lang="en-US" sz="2000" u="sng" dirty="0"/>
+              <a:t>Before you use your linear model, </a:t>
+            </a:r>
+            <a:r>
+              <a:rPr lang="en-US" sz="2000" dirty="0"/>
+              <a:t>you need to define the parameter values of </a:t>
+            </a:r>
+            <a:r>
+              <a:rPr lang="en-US" sz="2000" i="1" dirty="0"/>
+              <a:t>θ</a:t>
+            </a:r>
+            <a:r>
+              <a:rPr lang="en-US" sz="2000" i="1" baseline="-25000" dirty="0"/>
+              <a:t>0</a:t>
+            </a:r>
+            <a:r>
+              <a:rPr lang="en-US" sz="2000" i="1" dirty="0"/>
+              <a:t> </a:t>
+            </a:r>
+            <a:r>
+              <a:rPr lang="en-US" sz="2000" dirty="0"/>
+              <a:t>and</a:t>
+            </a:r>
+            <a:r>
+              <a:rPr lang="en-US" sz="2000" i="1" baseline="-25000" dirty="0"/>
+              <a:t> </a:t>
+            </a:r>
+            <a:r>
+              <a:rPr lang="en-US" sz="2000" i="1" dirty="0"/>
+              <a:t>θ</a:t>
+            </a:r>
+            <a:r>
+              <a:rPr lang="en-US" sz="2000" i="1" baseline="-25000" dirty="0"/>
+              <a:t>1.</a:t>
+            </a:r>
+          </a:p>
+          <a:p>
+            <a:pPr marL="1219170" lvl="1" indent="-507987">
+              <a:buSzPct val="100000"/>
+              <a:buChar char="●"/>
+            </a:pPr>
+            <a:r>
+              <a:rPr lang="en-US" sz="2000" dirty="0"/>
+              <a:t>those that make your model perform best</a:t>
+            </a:r>
+          </a:p>
+        </p:txBody>
+      </p:sp>
+      <p:sp>
+        <p:nvSpPr>
+          <p:cNvPr id="3" name="TextBox 2">
+            <a:extLst>
+              <a:ext uri="{FF2B5EF4-FFF2-40B4-BE49-F238E27FC236}">
+                <a16:creationId xmlns:a16="http://schemas.microsoft.com/office/drawing/2014/main" id="{8336C952-2ED4-4267-88C4-A6FF51E45930}"/>
+              </a:ext>
+            </a:extLst>
+          </p:cNvPr>
+          <p:cNvSpPr txBox="1"/>
+          <p:nvPr/>
+        </p:nvSpPr>
+        <p:spPr>
+          <a:xfrm>
+            <a:off x="1056068" y="4336234"/>
+            <a:ext cx="9882388" cy="1200329"/>
+          </a:xfrm>
+          <a:prstGeom prst="rect">
+            <a:avLst/>
+          </a:prstGeom>
+          <a:noFill/>
+          <a:ln>
+            <a:solidFill>
+              <a:srgbClr val="E46102"/>
+            </a:solidFill>
+          </a:ln>
+        </p:spPr>
+        <p:txBody>
+          <a:bodyPr wrap="square" rtlCol="0">
+            <a:spAutoFit/>
+          </a:bodyPr>
+          <a:lstStyle/>
+          <a:p>
+            <a:pPr algn="ctr"/>
+            <a:r>
+              <a:rPr lang="en-US" b="1" dirty="0"/>
+              <a:t>Utility Function</a:t>
+            </a:r>
+            <a:r>
+              <a:rPr lang="en-US" dirty="0"/>
+              <a:t> – measures how good your model is</a:t>
+            </a:r>
+          </a:p>
+          <a:p>
+            <a:pPr algn="ctr"/>
+            <a:endParaRPr lang="en-US" dirty="0"/>
+          </a:p>
+          <a:p>
+            <a:pPr algn="ctr"/>
+            <a:r>
+              <a:rPr lang="en-US" b="1" dirty="0"/>
+              <a:t>Cost Function</a:t>
+            </a:r>
+            <a:r>
+              <a:rPr lang="en-US" dirty="0"/>
+              <a:t> – measures how bad your model is</a:t>
+            </a:r>
+          </a:p>
+        </p:txBody>
+      </p:sp>
+      <p:pic>
+        <p:nvPicPr>
+          <p:cNvPr id="2" name="Picture 1">
+            <a:extLst>
+              <a:ext uri="{FF2B5EF4-FFF2-40B4-BE49-F238E27FC236}">
+                <a16:creationId xmlns:a16="http://schemas.microsoft.com/office/drawing/2014/main" id="{451FF91E-8153-17F0-92DC-911F7B4C6D36}"/>
+              </a:ext>
+            </a:extLst>
+          </p:cNvPr>
+          <p:cNvPicPr>
+            <a:picLocks noChangeAspect="1"/>
+          </p:cNvPicPr>
+          <p:nvPr/>
+        </p:nvPicPr>
+        <p:blipFill>
+          <a:blip r:embed="rId3"/>
+          <a:stretch>
+            <a:fillRect/>
+          </a:stretch>
+        </p:blipFill>
+        <p:spPr>
+          <a:xfrm>
+            <a:off x="8579135" y="1066326"/>
+            <a:ext cx="3612865" cy="2004280"/>
+          </a:xfrm>
+          <a:prstGeom prst="rect">
+            <a:avLst/>
+          </a:prstGeom>
+        </p:spPr>
+      </p:pic>
+    </p:spTree>
+    <p:extLst>
+      <p:ext uri="{BB962C8B-B14F-4D97-AF65-F5344CB8AC3E}">
+        <p14:creationId xmlns:p14="http://schemas.microsoft.com/office/powerpoint/2010/main" val="1471025527"/>
+      </p:ext>
+    </p:extLst>
+  </p:cSld>
+  <p:clrMapOvr>
+    <a:masterClrMapping/>
+  </p:clrMapOvr>
+</p:sld>
+</file>
+
+<file path=ppt/slides/slide33.xml><?xml version="1.0" encoding="utf-8"?>
 <p:sld xmlns:a="http://schemas.openxmlformats.org/drawingml/2006/main" xmlns:r="http://schemas.openxmlformats.org/officeDocument/2006/relationships" xmlns:p="http://schemas.openxmlformats.org/presentationml/2006/main">
   <p:cSld>
     <p:spTree>
@@ -22656,7 +23827,7 @@
 </p:sld>
 </file>
 
-<file path=ppt/slides/slide31.xml><?xml version="1.0" encoding="utf-8"?>
+<file path=ppt/slides/slide34.xml><?xml version="1.0" encoding="utf-8"?>
 <p:sld xmlns:a="http://schemas.openxmlformats.org/drawingml/2006/main" xmlns:r="http://schemas.openxmlformats.org/officeDocument/2006/relationships" xmlns:p="http://schemas.openxmlformats.org/presentationml/2006/main">
   <p:cSld>
     <p:spTree>
@@ -23117,7 +24288,7 @@
 </p:sld>
 </file>
 
-<file path=ppt/slides/slide32.xml><?xml version="1.0" encoding="utf-8"?>
+<file path=ppt/slides/slide35.xml><?xml version="1.0" encoding="utf-8"?>
 <p:sld xmlns:a="http://schemas.openxmlformats.org/drawingml/2006/main" xmlns:r="http://schemas.openxmlformats.org/officeDocument/2006/relationships" xmlns:p="http://schemas.openxmlformats.org/presentationml/2006/main">
   <p:cSld>
     <p:spTree>
@@ -23640,7 +24811,7 @@
 </p:sld>
 </file>
 
-<file path=ppt/slides/slide33.xml><?xml version="1.0" encoding="utf-8"?>
+<file path=ppt/slides/slide36.xml><?xml version="1.0" encoding="utf-8"?>
 <p:sld xmlns:a="http://schemas.openxmlformats.org/drawingml/2006/main" xmlns:r="http://schemas.openxmlformats.org/officeDocument/2006/relationships" xmlns:p="http://schemas.openxmlformats.org/presentationml/2006/main">
   <p:cSld>
     <p:spTree>
@@ -24305,7 +25476,7 @@
 </p:sld>
 </file>
 
-<file path=ppt/slides/slide34.xml><?xml version="1.0" encoding="utf-8"?>
+<file path=ppt/slides/slide37.xml><?xml version="1.0" encoding="utf-8"?>
 <p:sld xmlns:a="http://schemas.openxmlformats.org/drawingml/2006/main" xmlns:r="http://schemas.openxmlformats.org/officeDocument/2006/relationships" xmlns:p="http://schemas.openxmlformats.org/presentationml/2006/main">
   <p:cSld>
     <p:spTree>
@@ -24398,7 +25569,7 @@
 </p:sld>
 </file>
 
-<file path=ppt/slides/slide35.xml><?xml version="1.0" encoding="utf-8"?>
+<file path=ppt/slides/slide38.xml><?xml version="1.0" encoding="utf-8"?>
 <p:sld xmlns:a="http://schemas.openxmlformats.org/drawingml/2006/main" xmlns:r="http://schemas.openxmlformats.org/officeDocument/2006/relationships" xmlns:p="http://schemas.openxmlformats.org/presentationml/2006/main">
   <p:cSld>
     <p:spTree>
@@ -24752,7 +25923,7 @@
 </p:sld>
 </file>
 
-<file path=ppt/slides/slide36.xml><?xml version="1.0" encoding="utf-8"?>
+<file path=ppt/slides/slide39.xml><?xml version="1.0" encoding="utf-8"?>
 <p:sld xmlns:a="http://schemas.openxmlformats.org/drawingml/2006/main" xmlns:r="http://schemas.openxmlformats.org/officeDocument/2006/relationships" xmlns:p="http://schemas.openxmlformats.org/presentationml/2006/main">
   <p:cSld>
     <p:spTree>
@@ -25626,780 +26797,6 @@
 </p:sld>
 </file>
 
-<file path=ppt/slides/slide37.xml><?xml version="1.0" encoding="utf-8"?>
-<p:sld xmlns:a="http://schemas.openxmlformats.org/drawingml/2006/main" xmlns:r="http://schemas.openxmlformats.org/officeDocument/2006/relationships" xmlns:p="http://schemas.openxmlformats.org/presentationml/2006/main">
-  <p:cSld>
-    <p:spTree>
-      <p:nvGrpSpPr>
-        <p:cNvPr id="1" name="Shape 94"/>
-        <p:cNvGrpSpPr/>
-        <p:nvPr/>
-      </p:nvGrpSpPr>
-      <p:grpSpPr>
-        <a:xfrm>
-          <a:off x="0" y="0"/>
-          <a:ext cx="0" cy="0"/>
-          <a:chOff x="0" y="0"/>
-          <a:chExt cx="0" cy="0"/>
-        </a:xfrm>
-      </p:grpSpPr>
-      <p:sp>
-        <p:nvSpPr>
-          <p:cNvPr id="95" name="Google Shape;95;p14"/>
-          <p:cNvSpPr txBox="1">
-            <a:spLocks noGrp="1"/>
-          </p:cNvSpPr>
-          <p:nvPr>
-            <p:ph type="title" idx="4294967295"/>
-          </p:nvPr>
-        </p:nvSpPr>
-        <p:spPr>
-          <a:xfrm>
-            <a:off x="717173" y="559537"/>
-            <a:ext cx="10972800" cy="506789"/>
-          </a:xfrm>
-          <a:prstGeom prst="rect">
-            <a:avLst/>
-          </a:prstGeom>
-        </p:spPr>
-        <p:txBody>
-          <a:bodyPr spcFirstLastPara="1" wrap="square" lIns="121900" tIns="121900" rIns="121900" bIns="121900" anchor="ctr" anchorCtr="0">
-            <a:noAutofit/>
-          </a:bodyPr>
-          <a:lstStyle/>
-          <a:p>
-            <a:r>
-              <a:rPr lang="en-US" sz="4000" b="1" dirty="0">
-                <a:solidFill>
-                  <a:srgbClr val="E46102"/>
-                </a:solidFill>
-              </a:rPr>
-              <a:t>Build a model</a:t>
-            </a:r>
-            <a:endParaRPr sz="4000" b="1" dirty="0">
-              <a:solidFill>
-                <a:srgbClr val="E46102"/>
-              </a:solidFill>
-            </a:endParaRPr>
-          </a:p>
-        </p:txBody>
-      </p:sp>
-      <p:sp>
-        <p:nvSpPr>
-          <p:cNvPr id="96" name="Google Shape;96;p14"/>
-          <p:cNvSpPr txBox="1"/>
-          <p:nvPr/>
-        </p:nvSpPr>
-        <p:spPr>
-          <a:xfrm>
-            <a:off x="521776" y="1137532"/>
-            <a:ext cx="11277600" cy="5198874"/>
-          </a:xfrm>
-          <a:prstGeom prst="rect">
-            <a:avLst/>
-          </a:prstGeom>
-          <a:noFill/>
-          <a:ln>
-            <a:noFill/>
-          </a:ln>
-        </p:spPr>
-        <p:txBody>
-          <a:bodyPr spcFirstLastPara="1" wrap="square" lIns="121900" tIns="121900" rIns="121900" bIns="121900" anchor="t" anchorCtr="0">
-            <a:noAutofit/>
-          </a:bodyPr>
-          <a:lstStyle/>
-          <a:p>
-            <a:pPr marL="609585" indent="-507987">
-              <a:buSzPct val="100000"/>
-              <a:buChar char="●"/>
-            </a:pPr>
-            <a:endParaRPr lang="en-US" sz="2000" dirty="0"/>
-          </a:p>
-          <a:p>
-            <a:pPr marL="558798" indent="-457200">
-              <a:buSzPct val="100000"/>
-              <a:buAutoNum type="arabicPeriod" startAt="3"/>
-            </a:pPr>
-            <a:r>
-              <a:rPr lang="en-US" sz="2000" dirty="0"/>
-              <a:t>Frame the Problem - Design a model that takes the features as input and predicts the median housing price. </a:t>
-            </a:r>
-          </a:p>
-          <a:p>
-            <a:pPr marL="558798" indent="-457200">
-              <a:buSzPct val="100000"/>
-              <a:buAutoNum type="arabicPeriod" startAt="3"/>
-            </a:pPr>
-            <a:endParaRPr lang="en-US" sz="2000" dirty="0"/>
-          </a:p>
-          <a:p>
-            <a:pPr marL="558798" indent="-457200">
-              <a:buSzPct val="100000"/>
-              <a:buAutoNum type="arabicPeriod" startAt="3"/>
-            </a:pPr>
-            <a:r>
-              <a:rPr lang="en-US" sz="2000" dirty="0"/>
-              <a:t>Start designing your system – </a:t>
-            </a:r>
-          </a:p>
-          <a:p>
-            <a:pPr marL="1168383" lvl="1" indent="-457200">
-              <a:buSzPct val="100000"/>
-              <a:buFont typeface="+mj-lt"/>
-              <a:buAutoNum type="arabicPeriod"/>
-            </a:pPr>
-            <a:r>
-              <a:rPr lang="en-US" sz="2000" dirty="0"/>
-              <a:t>Is it supervised, unsupervised, or reinforcement learning?</a:t>
-            </a:r>
-          </a:p>
-          <a:p>
-            <a:pPr marL="1168383" lvl="1" indent="-457200">
-              <a:buSzPct val="100000"/>
-              <a:buFont typeface="+mj-lt"/>
-              <a:buAutoNum type="arabicPeriod"/>
-            </a:pPr>
-            <a:r>
-              <a:rPr lang="en-US" sz="2000" dirty="0"/>
-              <a:t>Is it a classification, regression or some other task?</a:t>
-            </a:r>
-          </a:p>
-          <a:p>
-            <a:pPr marL="1168383" lvl="1" indent="-457200">
-              <a:buSzPct val="100000"/>
-              <a:buFont typeface="+mj-lt"/>
-              <a:buAutoNum type="arabicPeriod"/>
-            </a:pPr>
-            <a:r>
-              <a:rPr lang="en-US" sz="2000" dirty="0"/>
-              <a:t>Should you use batch or online learning?</a:t>
-            </a:r>
-          </a:p>
-          <a:p>
-            <a:pPr marL="101598">
-              <a:buSzPct val="100000"/>
-            </a:pPr>
-            <a:endParaRPr lang="en-US" sz="2000" dirty="0"/>
-          </a:p>
-        </p:txBody>
-      </p:sp>
-      <p:sp>
-        <p:nvSpPr>
-          <p:cNvPr id="2" name="TextBox 1">
-            <a:extLst>
-              <a:ext uri="{FF2B5EF4-FFF2-40B4-BE49-F238E27FC236}">
-                <a16:creationId xmlns:a16="http://schemas.microsoft.com/office/drawing/2014/main" id="{7CF50DEA-DA45-47E8-9F05-20DF72A22AF5}"/>
-              </a:ext>
-            </a:extLst>
-          </p:cNvPr>
-          <p:cNvSpPr txBox="1"/>
-          <p:nvPr/>
-        </p:nvSpPr>
-        <p:spPr>
-          <a:xfrm>
-            <a:off x="2992192" y="4314423"/>
-            <a:ext cx="5941453" cy="461665"/>
-          </a:xfrm>
-          <a:prstGeom prst="rect">
-            <a:avLst/>
-          </a:prstGeom>
-          <a:solidFill>
-            <a:schemeClr val="accent1">
-              <a:lumMod val="40000"/>
-              <a:lumOff val="60000"/>
-            </a:schemeClr>
-          </a:solidFill>
-          <a:ln w="28575">
-            <a:solidFill>
-              <a:srgbClr val="E46102"/>
-            </a:solidFill>
-          </a:ln>
-        </p:spPr>
-        <p:txBody>
-          <a:bodyPr wrap="square" rtlCol="0">
-            <a:spAutoFit/>
-          </a:bodyPr>
-          <a:lstStyle/>
-          <a:p>
-            <a:pPr algn="ctr"/>
-            <a:r>
-              <a:rPr lang="en-US" dirty="0"/>
-              <a:t>Lets Discuss</a:t>
-            </a:r>
-          </a:p>
-        </p:txBody>
-      </p:sp>
-    </p:spTree>
-    <p:extLst>
-      <p:ext uri="{BB962C8B-B14F-4D97-AF65-F5344CB8AC3E}">
-        <p14:creationId xmlns:p14="http://schemas.microsoft.com/office/powerpoint/2010/main" val="1919109643"/>
-      </p:ext>
-    </p:extLst>
-  </p:cSld>
-  <p:clrMapOvr>
-    <a:masterClrMapping/>
-  </p:clrMapOvr>
-</p:sld>
-</file>
-
-<file path=ppt/slides/slide38.xml><?xml version="1.0" encoding="utf-8"?>
-<p:sld xmlns:a="http://schemas.openxmlformats.org/drawingml/2006/main" xmlns:r="http://schemas.openxmlformats.org/officeDocument/2006/relationships" xmlns:p="http://schemas.openxmlformats.org/presentationml/2006/main">
-  <p:cSld>
-    <p:spTree>
-      <p:nvGrpSpPr>
-        <p:cNvPr id="1" name="Shape 94"/>
-        <p:cNvGrpSpPr/>
-        <p:nvPr/>
-      </p:nvGrpSpPr>
-      <p:grpSpPr>
-        <a:xfrm>
-          <a:off x="0" y="0"/>
-          <a:ext cx="0" cy="0"/>
-          <a:chOff x="0" y="0"/>
-          <a:chExt cx="0" cy="0"/>
-        </a:xfrm>
-      </p:grpSpPr>
-      <p:sp>
-        <p:nvSpPr>
-          <p:cNvPr id="95" name="Google Shape;95;p14"/>
-          <p:cNvSpPr txBox="1">
-            <a:spLocks noGrp="1"/>
-          </p:cNvSpPr>
-          <p:nvPr>
-            <p:ph type="title" idx="4294967295"/>
-          </p:nvPr>
-        </p:nvSpPr>
-        <p:spPr>
-          <a:xfrm>
-            <a:off x="717173" y="559537"/>
-            <a:ext cx="10972800" cy="506789"/>
-          </a:xfrm>
-          <a:prstGeom prst="rect">
-            <a:avLst/>
-          </a:prstGeom>
-        </p:spPr>
-        <p:txBody>
-          <a:bodyPr spcFirstLastPara="1" wrap="square" lIns="121900" tIns="121900" rIns="121900" bIns="121900" anchor="ctr" anchorCtr="0">
-            <a:noAutofit/>
-          </a:bodyPr>
-          <a:lstStyle/>
-          <a:p>
-            <a:r>
-              <a:rPr lang="en-US" sz="4000" b="1" dirty="0">
-                <a:solidFill>
-                  <a:srgbClr val="E46102"/>
-                </a:solidFill>
-              </a:rPr>
-              <a:t>Build a model</a:t>
-            </a:r>
-            <a:endParaRPr sz="4000" b="1" dirty="0">
-              <a:solidFill>
-                <a:srgbClr val="E46102"/>
-              </a:solidFill>
-            </a:endParaRPr>
-          </a:p>
-        </p:txBody>
-      </p:sp>
-      <p:sp>
-        <p:nvSpPr>
-          <p:cNvPr id="96" name="Google Shape;96;p14"/>
-          <p:cNvSpPr txBox="1"/>
-          <p:nvPr/>
-        </p:nvSpPr>
-        <p:spPr>
-          <a:xfrm>
-            <a:off x="521776" y="1137532"/>
-            <a:ext cx="11277600" cy="5198874"/>
-          </a:xfrm>
-          <a:prstGeom prst="rect">
-            <a:avLst/>
-          </a:prstGeom>
-          <a:noFill/>
-          <a:ln>
-            <a:noFill/>
-          </a:ln>
-        </p:spPr>
-        <p:txBody>
-          <a:bodyPr spcFirstLastPara="1" wrap="square" lIns="121900" tIns="121900" rIns="121900" bIns="121900" anchor="t" anchorCtr="0">
-            <a:noAutofit/>
-          </a:bodyPr>
-          <a:lstStyle/>
-          <a:p>
-            <a:pPr lvl="0" algn="ctr">
-              <a:defRPr/>
-            </a:pPr>
-            <a:r>
-              <a:rPr lang="en-US" sz="2000" b="1" u="sng" dirty="0"/>
-              <a:t>One approach</a:t>
-            </a:r>
-          </a:p>
-          <a:p>
-            <a:pPr lvl="0">
-              <a:defRPr/>
-            </a:pPr>
-            <a:endParaRPr lang="en-US" sz="2000" dirty="0"/>
-          </a:p>
-          <a:p>
-            <a:pPr lvl="0">
-              <a:defRPr/>
-            </a:pPr>
-            <a:r>
-              <a:rPr lang="en-US" sz="2000" dirty="0"/>
-              <a:t>Supervised learning task - since you are given labeled training examples (each instance comes with the expected output, i.e., the district’s median housing price)</a:t>
-            </a:r>
-          </a:p>
-          <a:p>
-            <a:pPr lvl="0">
-              <a:defRPr/>
-            </a:pPr>
-            <a:endParaRPr lang="en-US" sz="2000" dirty="0"/>
-          </a:p>
-          <a:p>
-            <a:pPr lvl="0">
-              <a:defRPr/>
-            </a:pPr>
-            <a:r>
-              <a:rPr lang="en-US" sz="2000" dirty="0"/>
-              <a:t>Regression task, since you are asked to predict a value. </a:t>
-            </a:r>
-          </a:p>
-          <a:p>
-            <a:pPr lvl="0">
-              <a:defRPr/>
-            </a:pPr>
-            <a:endParaRPr lang="en-US" sz="2000" dirty="0"/>
-          </a:p>
-          <a:p>
-            <a:pPr lvl="0">
-              <a:defRPr/>
-            </a:pPr>
-            <a:r>
-              <a:rPr lang="en-US" sz="2000" dirty="0"/>
-              <a:t>More specifically, this is a multiple regression problem since the system will use multiple features to make a prediction (it will use the district’s population, the median income, etc.). </a:t>
-            </a:r>
-          </a:p>
-          <a:p>
-            <a:pPr lvl="0">
-              <a:defRPr/>
-            </a:pPr>
-            <a:endParaRPr lang="en-US" sz="2000" dirty="0"/>
-          </a:p>
-          <a:p>
-            <a:pPr lvl="0">
-              <a:defRPr/>
-            </a:pPr>
-            <a:r>
-              <a:rPr lang="en-US" sz="2000" dirty="0"/>
-              <a:t>It is also a univariate regression problem since we are only trying to predict a single value for each district. </a:t>
-            </a:r>
-          </a:p>
-          <a:p>
-            <a:pPr lvl="0">
-              <a:defRPr/>
-            </a:pPr>
-            <a:endParaRPr lang="en-US" sz="2000" dirty="0"/>
-          </a:p>
-          <a:p>
-            <a:pPr lvl="0">
-              <a:defRPr/>
-            </a:pPr>
-            <a:r>
-              <a:rPr lang="en-US" sz="2000" dirty="0"/>
-              <a:t>No continuous flow of data coming in the system, there is no particular need to adjust to changing data rapidly, and the data is small enough to fit in memory, so plain batch learning should do just fine.</a:t>
-            </a:r>
-          </a:p>
-        </p:txBody>
-      </p:sp>
-    </p:spTree>
-    <p:extLst>
-      <p:ext uri="{BB962C8B-B14F-4D97-AF65-F5344CB8AC3E}">
-        <p14:creationId xmlns:p14="http://schemas.microsoft.com/office/powerpoint/2010/main" val="1025045661"/>
-      </p:ext>
-    </p:extLst>
-  </p:cSld>
-  <p:clrMapOvr>
-    <a:masterClrMapping/>
-  </p:clrMapOvr>
-</p:sld>
-</file>
-
-<file path=ppt/slides/slide39.xml><?xml version="1.0" encoding="utf-8"?>
-<p:sld xmlns:a="http://schemas.openxmlformats.org/drawingml/2006/main" xmlns:r="http://schemas.openxmlformats.org/officeDocument/2006/relationships" xmlns:p="http://schemas.openxmlformats.org/presentationml/2006/main">
-  <p:cSld>
-    <p:spTree>
-      <p:nvGrpSpPr>
-        <p:cNvPr id="1" name="Shape 94"/>
-        <p:cNvGrpSpPr/>
-        <p:nvPr/>
-      </p:nvGrpSpPr>
-      <p:grpSpPr>
-        <a:xfrm>
-          <a:off x="0" y="0"/>
-          <a:ext cx="0" cy="0"/>
-          <a:chOff x="0" y="0"/>
-          <a:chExt cx="0" cy="0"/>
-        </a:xfrm>
-      </p:grpSpPr>
-      <p:sp>
-        <p:nvSpPr>
-          <p:cNvPr id="95" name="Google Shape;95;p14"/>
-          <p:cNvSpPr txBox="1">
-            <a:spLocks noGrp="1"/>
-          </p:cNvSpPr>
-          <p:nvPr>
-            <p:ph type="title" idx="4294967295"/>
-          </p:nvPr>
-        </p:nvSpPr>
-        <p:spPr>
-          <a:xfrm>
-            <a:off x="717173" y="559537"/>
-            <a:ext cx="10972800" cy="506789"/>
-          </a:xfrm>
-          <a:prstGeom prst="rect">
-            <a:avLst/>
-          </a:prstGeom>
-        </p:spPr>
-        <p:txBody>
-          <a:bodyPr spcFirstLastPara="1" wrap="square" lIns="121900" tIns="121900" rIns="121900" bIns="121900" anchor="ctr" anchorCtr="0">
-            <a:noAutofit/>
-          </a:bodyPr>
-          <a:lstStyle/>
-          <a:p>
-            <a:r>
-              <a:rPr lang="en-US" sz="4000" b="1" dirty="0">
-                <a:solidFill>
-                  <a:srgbClr val="E46102"/>
-                </a:solidFill>
-              </a:rPr>
-              <a:t>Model Performance</a:t>
-            </a:r>
-            <a:endParaRPr sz="4000" b="1" dirty="0">
-              <a:solidFill>
-                <a:srgbClr val="E46102"/>
-              </a:solidFill>
-            </a:endParaRPr>
-          </a:p>
-        </p:txBody>
-      </p:sp>
-      <p:sp>
-        <p:nvSpPr>
-          <p:cNvPr id="96" name="Google Shape;96;p14"/>
-          <p:cNvSpPr txBox="1"/>
-          <p:nvPr/>
-        </p:nvSpPr>
-        <p:spPr>
-          <a:xfrm>
-            <a:off x="111436" y="1137532"/>
-            <a:ext cx="10140928" cy="5198874"/>
-          </a:xfrm>
-          <a:prstGeom prst="rect">
-            <a:avLst/>
-          </a:prstGeom>
-          <a:noFill/>
-          <a:ln>
-            <a:noFill/>
-          </a:ln>
-        </p:spPr>
-        <p:txBody>
-          <a:bodyPr spcFirstLastPara="1" wrap="square" lIns="121900" tIns="121900" rIns="121900" bIns="121900" anchor="t" anchorCtr="0">
-            <a:noAutofit/>
-          </a:bodyPr>
-          <a:lstStyle/>
-          <a:p>
-            <a:pPr marL="101598">
-              <a:buSzPct val="100000"/>
-            </a:pPr>
-            <a:r>
-              <a:rPr lang="en-US" sz="2000" dirty="0"/>
-              <a:t>5.	Select a Model Performance measure</a:t>
-            </a:r>
-          </a:p>
-          <a:p>
-            <a:pPr marL="1168383" lvl="1" indent="-457200">
-              <a:buSzPct val="100000"/>
-              <a:buFont typeface="+mj-lt"/>
-              <a:buAutoNum type="alphaLcParenR"/>
-            </a:pPr>
-            <a:r>
-              <a:rPr lang="en-US" sz="2000" b="1" dirty="0"/>
-              <a:t>Root mean square error (RMSE) </a:t>
-            </a:r>
-            <a:r>
-              <a:rPr lang="en-US" sz="2000" dirty="0"/>
-              <a:t>– gives you an idea of how much error a system typically makes in its predictions</a:t>
-            </a:r>
-          </a:p>
-          <a:p>
-            <a:pPr marL="1777968" lvl="2" indent="-457200">
-              <a:buSzPct val="100000"/>
-              <a:buFont typeface="Arial" panose="020B0604020202020204" pitchFamily="34" charset="0"/>
-              <a:buChar char="•"/>
-            </a:pPr>
-            <a:r>
-              <a:rPr lang="en-US" sz="2000" dirty="0"/>
-              <a:t>Higher weight for large errors</a:t>
-            </a:r>
-          </a:p>
-          <a:p>
-            <a:pPr marL="1777968" lvl="2" indent="-457200">
-              <a:buSzPct val="100000"/>
-              <a:buFont typeface="Arial" panose="020B0604020202020204" pitchFamily="34" charset="0"/>
-              <a:buChar char="•"/>
-            </a:pPr>
-            <a:endParaRPr lang="en-US" sz="2000" dirty="0"/>
-          </a:p>
-          <a:p>
-            <a:pPr marL="1777968" lvl="2" indent="-457200">
-              <a:buSzPct val="100000"/>
-              <a:buFont typeface="Arial" panose="020B0604020202020204" pitchFamily="34" charset="0"/>
-              <a:buChar char="•"/>
-            </a:pPr>
-            <a:endParaRPr lang="en-US" sz="2000" dirty="0"/>
-          </a:p>
-          <a:p>
-            <a:pPr marL="1777968" lvl="2" indent="-457200">
-              <a:buSzPct val="100000"/>
-              <a:buFont typeface="Arial" panose="020B0604020202020204" pitchFamily="34" charset="0"/>
-              <a:buChar char="•"/>
-            </a:pPr>
-            <a:endParaRPr lang="en-US" sz="2000" dirty="0"/>
-          </a:p>
-          <a:p>
-            <a:pPr marL="1777968" lvl="2" indent="-457200">
-              <a:buSzPct val="100000"/>
-              <a:buFont typeface="Arial" panose="020B0604020202020204" pitchFamily="34" charset="0"/>
-              <a:buChar char="•"/>
-            </a:pPr>
-            <a:endParaRPr lang="en-US" sz="2000" dirty="0"/>
-          </a:p>
-          <a:p>
-            <a:pPr marL="1777968" lvl="2" indent="-457200">
-              <a:buSzPct val="100000"/>
-              <a:buFont typeface="Arial" panose="020B0604020202020204" pitchFamily="34" charset="0"/>
-              <a:buChar char="•"/>
-            </a:pPr>
-            <a:r>
-              <a:rPr lang="en-US" sz="2000" dirty="0"/>
-              <a:t>where, </a:t>
-            </a:r>
-            <a:r>
-              <a:rPr lang="en-US" sz="2000" i="1" dirty="0"/>
-              <a:t>m</a:t>
-            </a:r>
-            <a:r>
-              <a:rPr lang="en-US" sz="2000" dirty="0"/>
-              <a:t> is the number of instances in the dataset you’re measuring the RMSE on,</a:t>
-            </a:r>
-          </a:p>
-          <a:p>
-            <a:pPr marL="1777968" lvl="2" indent="-457200">
-              <a:buSzPct val="100000"/>
-              <a:buFont typeface="Arial" panose="020B0604020202020204" pitchFamily="34" charset="0"/>
-              <a:buChar char="•"/>
-            </a:pPr>
-            <a:r>
-              <a:rPr lang="en-US" sz="2000" b="1" dirty="0"/>
-              <a:t>x</a:t>
-            </a:r>
-            <a:r>
-              <a:rPr lang="en-US" sz="2000" i="1" baseline="30000" dirty="0"/>
-              <a:t>(</a:t>
-            </a:r>
-            <a:r>
-              <a:rPr lang="en-US" sz="2000" i="1" baseline="30000" dirty="0" err="1"/>
-              <a:t>i</a:t>
-            </a:r>
-            <a:r>
-              <a:rPr lang="en-US" sz="2000" i="1" baseline="30000" dirty="0"/>
-              <a:t>)</a:t>
-            </a:r>
-            <a:r>
-              <a:rPr lang="en-US" sz="2000" dirty="0"/>
-              <a:t> is a vector of all the feature values (excluding the label) of the </a:t>
-            </a:r>
-            <a:r>
-              <a:rPr lang="en-US" sz="2000" i="1" dirty="0" err="1"/>
-              <a:t>i</a:t>
-            </a:r>
-            <a:r>
-              <a:rPr lang="en-US" sz="2000" i="1" baseline="30000" dirty="0" err="1"/>
-              <a:t>th</a:t>
-            </a:r>
-            <a:r>
-              <a:rPr lang="en-US" sz="2000" dirty="0"/>
-              <a:t> instance in the dataset, and </a:t>
-            </a:r>
-            <a:r>
-              <a:rPr lang="en-US" sz="2000" b="1" dirty="0"/>
-              <a:t>y</a:t>
-            </a:r>
-            <a:r>
-              <a:rPr lang="en-US" sz="2000" i="1" baseline="30000" dirty="0"/>
-              <a:t>(</a:t>
-            </a:r>
-            <a:r>
-              <a:rPr lang="en-US" sz="2000" i="1" baseline="30000" dirty="0" err="1"/>
-              <a:t>i</a:t>
-            </a:r>
-            <a:r>
-              <a:rPr lang="en-US" sz="2000" i="1" baseline="30000" dirty="0"/>
-              <a:t>)</a:t>
-            </a:r>
-            <a:r>
-              <a:rPr lang="en-US" sz="2000" dirty="0"/>
-              <a:t> is its label (the desired output value for that instance).</a:t>
-            </a:r>
-          </a:p>
-          <a:p>
-            <a:pPr marL="1777968" lvl="2" indent="-457200">
-              <a:buSzPct val="100000"/>
-              <a:buFont typeface="Arial" panose="020B0604020202020204" pitchFamily="34" charset="0"/>
-              <a:buChar char="•"/>
-            </a:pPr>
-            <a:r>
-              <a:rPr lang="en-US" sz="2000" b="1" dirty="0"/>
-              <a:t>X</a:t>
-            </a:r>
-            <a:r>
-              <a:rPr lang="en-US" sz="2000" dirty="0"/>
-              <a:t> is a matrix containing all the feature values (excluding labels) of all instances in the dataset.</a:t>
-            </a:r>
-            <a:endParaRPr lang="en-US" sz="2000" baseline="30000" dirty="0"/>
-          </a:p>
-          <a:p>
-            <a:pPr marL="1777968" lvl="2" indent="-457200">
-              <a:buSzPct val="100000"/>
-              <a:buFont typeface="Arial" panose="020B0604020202020204" pitchFamily="34" charset="0"/>
-              <a:buChar char="•"/>
-            </a:pPr>
-            <a:endParaRPr lang="en-US" sz="2000" dirty="0"/>
-          </a:p>
-          <a:p>
-            <a:pPr marL="1777968" lvl="2" indent="-457200">
-              <a:buSzPct val="100000"/>
-              <a:buFont typeface="Arial" panose="020B0604020202020204" pitchFamily="34" charset="0"/>
-              <a:buChar char="•"/>
-            </a:pPr>
-            <a:endParaRPr lang="en-US" sz="2000" dirty="0"/>
-          </a:p>
-          <a:p>
-            <a:pPr marL="1777968" lvl="2" indent="-457200">
-              <a:buSzPct val="100000"/>
-              <a:buFont typeface="+mj-lt"/>
-              <a:buAutoNum type="alphaLcParenR"/>
-            </a:pPr>
-            <a:endParaRPr lang="en-US" sz="2000" dirty="0"/>
-          </a:p>
-          <a:p>
-            <a:pPr marL="101598">
-              <a:buSzPct val="100000"/>
-            </a:pPr>
-            <a:endParaRPr lang="en-US" sz="2000" dirty="0"/>
-          </a:p>
-        </p:txBody>
-      </p:sp>
-      <p:pic>
-        <p:nvPicPr>
-          <p:cNvPr id="3" name="Picture 2">
-            <a:extLst>
-              <a:ext uri="{FF2B5EF4-FFF2-40B4-BE49-F238E27FC236}">
-                <a16:creationId xmlns:a16="http://schemas.microsoft.com/office/drawing/2014/main" id="{90B3C240-79C7-4BC1-AA98-EA345415BDA5}"/>
-              </a:ext>
-            </a:extLst>
-          </p:cNvPr>
-          <p:cNvPicPr>
-            <a:picLocks noChangeAspect="1"/>
-          </p:cNvPicPr>
-          <p:nvPr/>
-        </p:nvPicPr>
-        <p:blipFill>
-          <a:blip r:embed="rId3"/>
-          <a:stretch>
-            <a:fillRect/>
-          </a:stretch>
-        </p:blipFill>
-        <p:spPr>
-          <a:xfrm>
-            <a:off x="2578972" y="2608632"/>
-            <a:ext cx="4451554" cy="988008"/>
-          </a:xfrm>
-          <a:prstGeom prst="rect">
-            <a:avLst/>
-          </a:prstGeom>
-        </p:spPr>
-      </p:pic>
-      <p:pic>
-        <p:nvPicPr>
-          <p:cNvPr id="2" name="Picture 2" descr="Feature matrix and label | Download Scientific Diagram">
-            <a:extLst>
-              <a:ext uri="{FF2B5EF4-FFF2-40B4-BE49-F238E27FC236}">
-                <a16:creationId xmlns:a16="http://schemas.microsoft.com/office/drawing/2014/main" id="{FEBD7C1C-2E4B-7678-18AC-54FFBC443AE1}"/>
-              </a:ext>
-            </a:extLst>
-          </p:cNvPr>
-          <p:cNvPicPr>
-            <a:picLocks noChangeAspect="1" noChangeArrowheads="1"/>
-          </p:cNvPicPr>
-          <p:nvPr/>
-        </p:nvPicPr>
-        <p:blipFill>
-          <a:blip r:embed="rId4">
-            <a:extLst>
-              <a:ext uri="{BEBA8EAE-BF5A-486C-A8C5-ECC9F3942E4B}">
-                <a14:imgProps xmlns:a14="http://schemas.microsoft.com/office/drawing/2010/main">
-                  <a14:imgLayer r:embed="rId5">
-                    <a14:imgEffect>
-                      <a14:sharpenSoften amount="50000"/>
-                    </a14:imgEffect>
-                    <a14:imgEffect>
-                      <a14:saturation sat="66000"/>
-                    </a14:imgEffect>
-                  </a14:imgLayer>
-                </a14:imgProps>
-              </a:ext>
-              <a:ext uri="{28A0092B-C50C-407E-A947-70E740481C1C}">
-                <a14:useLocalDpi xmlns:a14="http://schemas.microsoft.com/office/drawing/2010/main" val="0"/>
-              </a:ext>
-            </a:extLst>
-          </a:blip>
-          <a:srcRect/>
-          <a:stretch>
-            <a:fillRect/>
-          </a:stretch>
-        </p:blipFill>
-        <p:spPr bwMode="auto">
-          <a:xfrm>
-            <a:off x="10033425" y="951012"/>
-            <a:ext cx="2036358" cy="2151624"/>
-          </a:xfrm>
-          <a:prstGeom prst="rect">
-            <a:avLst/>
-          </a:prstGeom>
-          <a:noFill/>
-          <a:extLst>
-            <a:ext uri="{909E8E84-426E-40DD-AFC4-6F175D3DCCD1}">
-              <a14:hiddenFill xmlns:a14="http://schemas.microsoft.com/office/drawing/2010/main">
-                <a:solidFill>
-                  <a:srgbClr val="FFFFFF"/>
-                </a:solidFill>
-              </a14:hiddenFill>
-            </a:ext>
-          </a:extLst>
-        </p:spPr>
-      </p:pic>
-    </p:spTree>
-    <p:extLst>
-      <p:ext uri="{BB962C8B-B14F-4D97-AF65-F5344CB8AC3E}">
-        <p14:creationId xmlns:p14="http://schemas.microsoft.com/office/powerpoint/2010/main" val="510638560"/>
-      </p:ext>
-    </p:extLst>
-  </p:cSld>
-  <p:clrMapOvr>
-    <a:masterClrMapping/>
-  </p:clrMapOvr>
-</p:sld>
-</file>
-
 <file path=ppt/slides/slide4.xml><?xml version="1.0" encoding="utf-8"?>
 <p:sld xmlns:a="http://schemas.openxmlformats.org/drawingml/2006/main" xmlns:r="http://schemas.openxmlformats.org/officeDocument/2006/relationships" xmlns:p="http://schemas.openxmlformats.org/presentationml/2006/main">
   <p:cSld>
@@ -26828,6 +27225,780 @@
 </file>
 
 <file path=ppt/slides/slide40.xml><?xml version="1.0" encoding="utf-8"?>
+<p:sld xmlns:a="http://schemas.openxmlformats.org/drawingml/2006/main" xmlns:r="http://schemas.openxmlformats.org/officeDocument/2006/relationships" xmlns:p="http://schemas.openxmlformats.org/presentationml/2006/main">
+  <p:cSld>
+    <p:spTree>
+      <p:nvGrpSpPr>
+        <p:cNvPr id="1" name="Shape 94"/>
+        <p:cNvGrpSpPr/>
+        <p:nvPr/>
+      </p:nvGrpSpPr>
+      <p:grpSpPr>
+        <a:xfrm>
+          <a:off x="0" y="0"/>
+          <a:ext cx="0" cy="0"/>
+          <a:chOff x="0" y="0"/>
+          <a:chExt cx="0" cy="0"/>
+        </a:xfrm>
+      </p:grpSpPr>
+      <p:sp>
+        <p:nvSpPr>
+          <p:cNvPr id="95" name="Google Shape;95;p14"/>
+          <p:cNvSpPr txBox="1">
+            <a:spLocks noGrp="1"/>
+          </p:cNvSpPr>
+          <p:nvPr>
+            <p:ph type="title" idx="4294967295"/>
+          </p:nvPr>
+        </p:nvSpPr>
+        <p:spPr>
+          <a:xfrm>
+            <a:off x="717173" y="559537"/>
+            <a:ext cx="10972800" cy="506789"/>
+          </a:xfrm>
+          <a:prstGeom prst="rect">
+            <a:avLst/>
+          </a:prstGeom>
+        </p:spPr>
+        <p:txBody>
+          <a:bodyPr spcFirstLastPara="1" wrap="square" lIns="121900" tIns="121900" rIns="121900" bIns="121900" anchor="ctr" anchorCtr="0">
+            <a:noAutofit/>
+          </a:bodyPr>
+          <a:lstStyle/>
+          <a:p>
+            <a:r>
+              <a:rPr lang="en-US" sz="4000" b="1" dirty="0">
+                <a:solidFill>
+                  <a:srgbClr val="E46102"/>
+                </a:solidFill>
+              </a:rPr>
+              <a:t>Build a model</a:t>
+            </a:r>
+            <a:endParaRPr sz="4000" b="1" dirty="0">
+              <a:solidFill>
+                <a:srgbClr val="E46102"/>
+              </a:solidFill>
+            </a:endParaRPr>
+          </a:p>
+        </p:txBody>
+      </p:sp>
+      <p:sp>
+        <p:nvSpPr>
+          <p:cNvPr id="96" name="Google Shape;96;p14"/>
+          <p:cNvSpPr txBox="1"/>
+          <p:nvPr/>
+        </p:nvSpPr>
+        <p:spPr>
+          <a:xfrm>
+            <a:off x="521776" y="1137532"/>
+            <a:ext cx="11277600" cy="5198874"/>
+          </a:xfrm>
+          <a:prstGeom prst="rect">
+            <a:avLst/>
+          </a:prstGeom>
+          <a:noFill/>
+          <a:ln>
+            <a:noFill/>
+          </a:ln>
+        </p:spPr>
+        <p:txBody>
+          <a:bodyPr spcFirstLastPara="1" wrap="square" lIns="121900" tIns="121900" rIns="121900" bIns="121900" anchor="t" anchorCtr="0">
+            <a:noAutofit/>
+          </a:bodyPr>
+          <a:lstStyle/>
+          <a:p>
+            <a:pPr marL="609585" indent="-507987">
+              <a:buSzPct val="100000"/>
+              <a:buChar char="●"/>
+            </a:pPr>
+            <a:endParaRPr lang="en-US" sz="2000" dirty="0"/>
+          </a:p>
+          <a:p>
+            <a:pPr marL="558798" indent="-457200">
+              <a:buSzPct val="100000"/>
+              <a:buAutoNum type="arabicPeriod" startAt="3"/>
+            </a:pPr>
+            <a:r>
+              <a:rPr lang="en-US" sz="2000" dirty="0"/>
+              <a:t>Frame the Problem - Design a model that takes the features as input and predicts the median housing price. </a:t>
+            </a:r>
+          </a:p>
+          <a:p>
+            <a:pPr marL="558798" indent="-457200">
+              <a:buSzPct val="100000"/>
+              <a:buAutoNum type="arabicPeriod" startAt="3"/>
+            </a:pPr>
+            <a:endParaRPr lang="en-US" sz="2000" dirty="0"/>
+          </a:p>
+          <a:p>
+            <a:pPr marL="558798" indent="-457200">
+              <a:buSzPct val="100000"/>
+              <a:buAutoNum type="arabicPeriod" startAt="3"/>
+            </a:pPr>
+            <a:r>
+              <a:rPr lang="en-US" sz="2000" dirty="0"/>
+              <a:t>Start designing your system – </a:t>
+            </a:r>
+          </a:p>
+          <a:p>
+            <a:pPr marL="1168383" lvl="1" indent="-457200">
+              <a:buSzPct val="100000"/>
+              <a:buFont typeface="+mj-lt"/>
+              <a:buAutoNum type="arabicPeriod"/>
+            </a:pPr>
+            <a:r>
+              <a:rPr lang="en-US" sz="2000" dirty="0"/>
+              <a:t>Is it supervised, unsupervised, or reinforcement learning?</a:t>
+            </a:r>
+          </a:p>
+          <a:p>
+            <a:pPr marL="1168383" lvl="1" indent="-457200">
+              <a:buSzPct val="100000"/>
+              <a:buFont typeface="+mj-lt"/>
+              <a:buAutoNum type="arabicPeriod"/>
+            </a:pPr>
+            <a:r>
+              <a:rPr lang="en-US" sz="2000" dirty="0"/>
+              <a:t>Is it a classification, regression or some other task?</a:t>
+            </a:r>
+          </a:p>
+          <a:p>
+            <a:pPr marL="1168383" lvl="1" indent="-457200">
+              <a:buSzPct val="100000"/>
+              <a:buFont typeface="+mj-lt"/>
+              <a:buAutoNum type="arabicPeriod"/>
+            </a:pPr>
+            <a:r>
+              <a:rPr lang="en-US" sz="2000" dirty="0"/>
+              <a:t>Should you use batch or online learning?</a:t>
+            </a:r>
+          </a:p>
+          <a:p>
+            <a:pPr marL="101598">
+              <a:buSzPct val="100000"/>
+            </a:pPr>
+            <a:endParaRPr lang="en-US" sz="2000" dirty="0"/>
+          </a:p>
+        </p:txBody>
+      </p:sp>
+      <p:sp>
+        <p:nvSpPr>
+          <p:cNvPr id="2" name="TextBox 1">
+            <a:extLst>
+              <a:ext uri="{FF2B5EF4-FFF2-40B4-BE49-F238E27FC236}">
+                <a16:creationId xmlns:a16="http://schemas.microsoft.com/office/drawing/2014/main" id="{7CF50DEA-DA45-47E8-9F05-20DF72A22AF5}"/>
+              </a:ext>
+            </a:extLst>
+          </p:cNvPr>
+          <p:cNvSpPr txBox="1"/>
+          <p:nvPr/>
+        </p:nvSpPr>
+        <p:spPr>
+          <a:xfrm>
+            <a:off x="2992192" y="4314423"/>
+            <a:ext cx="5941453" cy="461665"/>
+          </a:xfrm>
+          <a:prstGeom prst="rect">
+            <a:avLst/>
+          </a:prstGeom>
+          <a:solidFill>
+            <a:schemeClr val="accent1">
+              <a:lumMod val="40000"/>
+              <a:lumOff val="60000"/>
+            </a:schemeClr>
+          </a:solidFill>
+          <a:ln w="28575">
+            <a:solidFill>
+              <a:srgbClr val="E46102"/>
+            </a:solidFill>
+          </a:ln>
+        </p:spPr>
+        <p:txBody>
+          <a:bodyPr wrap="square" rtlCol="0">
+            <a:spAutoFit/>
+          </a:bodyPr>
+          <a:lstStyle/>
+          <a:p>
+            <a:pPr algn="ctr"/>
+            <a:r>
+              <a:rPr lang="en-US" dirty="0"/>
+              <a:t>Lets Discuss</a:t>
+            </a:r>
+          </a:p>
+        </p:txBody>
+      </p:sp>
+    </p:spTree>
+    <p:extLst>
+      <p:ext uri="{BB962C8B-B14F-4D97-AF65-F5344CB8AC3E}">
+        <p14:creationId xmlns:p14="http://schemas.microsoft.com/office/powerpoint/2010/main" val="1919109643"/>
+      </p:ext>
+    </p:extLst>
+  </p:cSld>
+  <p:clrMapOvr>
+    <a:masterClrMapping/>
+  </p:clrMapOvr>
+</p:sld>
+</file>
+
+<file path=ppt/slides/slide41.xml><?xml version="1.0" encoding="utf-8"?>
+<p:sld xmlns:a="http://schemas.openxmlformats.org/drawingml/2006/main" xmlns:r="http://schemas.openxmlformats.org/officeDocument/2006/relationships" xmlns:p="http://schemas.openxmlformats.org/presentationml/2006/main">
+  <p:cSld>
+    <p:spTree>
+      <p:nvGrpSpPr>
+        <p:cNvPr id="1" name="Shape 94"/>
+        <p:cNvGrpSpPr/>
+        <p:nvPr/>
+      </p:nvGrpSpPr>
+      <p:grpSpPr>
+        <a:xfrm>
+          <a:off x="0" y="0"/>
+          <a:ext cx="0" cy="0"/>
+          <a:chOff x="0" y="0"/>
+          <a:chExt cx="0" cy="0"/>
+        </a:xfrm>
+      </p:grpSpPr>
+      <p:sp>
+        <p:nvSpPr>
+          <p:cNvPr id="95" name="Google Shape;95;p14"/>
+          <p:cNvSpPr txBox="1">
+            <a:spLocks noGrp="1"/>
+          </p:cNvSpPr>
+          <p:nvPr>
+            <p:ph type="title" idx="4294967295"/>
+          </p:nvPr>
+        </p:nvSpPr>
+        <p:spPr>
+          <a:xfrm>
+            <a:off x="717173" y="559537"/>
+            <a:ext cx="10972800" cy="506789"/>
+          </a:xfrm>
+          <a:prstGeom prst="rect">
+            <a:avLst/>
+          </a:prstGeom>
+        </p:spPr>
+        <p:txBody>
+          <a:bodyPr spcFirstLastPara="1" wrap="square" lIns="121900" tIns="121900" rIns="121900" bIns="121900" anchor="ctr" anchorCtr="0">
+            <a:noAutofit/>
+          </a:bodyPr>
+          <a:lstStyle/>
+          <a:p>
+            <a:r>
+              <a:rPr lang="en-US" sz="4000" b="1" dirty="0">
+                <a:solidFill>
+                  <a:srgbClr val="E46102"/>
+                </a:solidFill>
+              </a:rPr>
+              <a:t>Build a model</a:t>
+            </a:r>
+            <a:endParaRPr sz="4000" b="1" dirty="0">
+              <a:solidFill>
+                <a:srgbClr val="E46102"/>
+              </a:solidFill>
+            </a:endParaRPr>
+          </a:p>
+        </p:txBody>
+      </p:sp>
+      <p:sp>
+        <p:nvSpPr>
+          <p:cNvPr id="96" name="Google Shape;96;p14"/>
+          <p:cNvSpPr txBox="1"/>
+          <p:nvPr/>
+        </p:nvSpPr>
+        <p:spPr>
+          <a:xfrm>
+            <a:off x="521776" y="1137532"/>
+            <a:ext cx="11277600" cy="5198874"/>
+          </a:xfrm>
+          <a:prstGeom prst="rect">
+            <a:avLst/>
+          </a:prstGeom>
+          <a:noFill/>
+          <a:ln>
+            <a:noFill/>
+          </a:ln>
+        </p:spPr>
+        <p:txBody>
+          <a:bodyPr spcFirstLastPara="1" wrap="square" lIns="121900" tIns="121900" rIns="121900" bIns="121900" anchor="t" anchorCtr="0">
+            <a:noAutofit/>
+          </a:bodyPr>
+          <a:lstStyle/>
+          <a:p>
+            <a:pPr lvl="0" algn="ctr">
+              <a:defRPr/>
+            </a:pPr>
+            <a:r>
+              <a:rPr lang="en-US" sz="2000" b="1" u="sng" dirty="0"/>
+              <a:t>One approach</a:t>
+            </a:r>
+          </a:p>
+          <a:p>
+            <a:pPr lvl="0">
+              <a:defRPr/>
+            </a:pPr>
+            <a:endParaRPr lang="en-US" sz="2000" dirty="0"/>
+          </a:p>
+          <a:p>
+            <a:pPr lvl="0">
+              <a:defRPr/>
+            </a:pPr>
+            <a:r>
+              <a:rPr lang="en-US" sz="2000" dirty="0"/>
+              <a:t>Supervised learning task - since you are given labeled training examples (each instance comes with the expected output, i.e., the district’s median housing price)</a:t>
+            </a:r>
+          </a:p>
+          <a:p>
+            <a:pPr lvl="0">
+              <a:defRPr/>
+            </a:pPr>
+            <a:endParaRPr lang="en-US" sz="2000" dirty="0"/>
+          </a:p>
+          <a:p>
+            <a:pPr lvl="0">
+              <a:defRPr/>
+            </a:pPr>
+            <a:r>
+              <a:rPr lang="en-US" sz="2000" dirty="0"/>
+              <a:t>Regression task, since you are asked to predict a value. </a:t>
+            </a:r>
+          </a:p>
+          <a:p>
+            <a:pPr lvl="0">
+              <a:defRPr/>
+            </a:pPr>
+            <a:endParaRPr lang="en-US" sz="2000" dirty="0"/>
+          </a:p>
+          <a:p>
+            <a:pPr lvl="0">
+              <a:defRPr/>
+            </a:pPr>
+            <a:r>
+              <a:rPr lang="en-US" sz="2000" dirty="0"/>
+              <a:t>More specifically, this is a multiple regression problem since the system will use multiple features to make a prediction (it will use the district’s population, the median income, etc.). </a:t>
+            </a:r>
+          </a:p>
+          <a:p>
+            <a:pPr lvl="0">
+              <a:defRPr/>
+            </a:pPr>
+            <a:endParaRPr lang="en-US" sz="2000" dirty="0"/>
+          </a:p>
+          <a:p>
+            <a:pPr lvl="0">
+              <a:defRPr/>
+            </a:pPr>
+            <a:r>
+              <a:rPr lang="en-US" sz="2000" dirty="0"/>
+              <a:t>It is also a univariate regression problem since we are only trying to predict a single value for each district. </a:t>
+            </a:r>
+          </a:p>
+          <a:p>
+            <a:pPr lvl="0">
+              <a:defRPr/>
+            </a:pPr>
+            <a:endParaRPr lang="en-US" sz="2000" dirty="0"/>
+          </a:p>
+          <a:p>
+            <a:pPr lvl="0">
+              <a:defRPr/>
+            </a:pPr>
+            <a:r>
+              <a:rPr lang="en-US" sz="2000" dirty="0"/>
+              <a:t>No continuous flow of data coming in the system, there is no particular need to adjust to changing data rapidly, and the data is small enough to fit in memory, so plain batch learning should do just fine.</a:t>
+            </a:r>
+          </a:p>
+        </p:txBody>
+      </p:sp>
+    </p:spTree>
+    <p:extLst>
+      <p:ext uri="{BB962C8B-B14F-4D97-AF65-F5344CB8AC3E}">
+        <p14:creationId xmlns:p14="http://schemas.microsoft.com/office/powerpoint/2010/main" val="1025045661"/>
+      </p:ext>
+    </p:extLst>
+  </p:cSld>
+  <p:clrMapOvr>
+    <a:masterClrMapping/>
+  </p:clrMapOvr>
+</p:sld>
+</file>
+
+<file path=ppt/slides/slide42.xml><?xml version="1.0" encoding="utf-8"?>
+<p:sld xmlns:a="http://schemas.openxmlformats.org/drawingml/2006/main" xmlns:r="http://schemas.openxmlformats.org/officeDocument/2006/relationships" xmlns:p="http://schemas.openxmlformats.org/presentationml/2006/main">
+  <p:cSld>
+    <p:spTree>
+      <p:nvGrpSpPr>
+        <p:cNvPr id="1" name="Shape 94"/>
+        <p:cNvGrpSpPr/>
+        <p:nvPr/>
+      </p:nvGrpSpPr>
+      <p:grpSpPr>
+        <a:xfrm>
+          <a:off x="0" y="0"/>
+          <a:ext cx="0" cy="0"/>
+          <a:chOff x="0" y="0"/>
+          <a:chExt cx="0" cy="0"/>
+        </a:xfrm>
+      </p:grpSpPr>
+      <p:sp>
+        <p:nvSpPr>
+          <p:cNvPr id="95" name="Google Shape;95;p14"/>
+          <p:cNvSpPr txBox="1">
+            <a:spLocks noGrp="1"/>
+          </p:cNvSpPr>
+          <p:nvPr>
+            <p:ph type="title" idx="4294967295"/>
+          </p:nvPr>
+        </p:nvSpPr>
+        <p:spPr>
+          <a:xfrm>
+            <a:off x="717173" y="559537"/>
+            <a:ext cx="10972800" cy="506789"/>
+          </a:xfrm>
+          <a:prstGeom prst="rect">
+            <a:avLst/>
+          </a:prstGeom>
+        </p:spPr>
+        <p:txBody>
+          <a:bodyPr spcFirstLastPara="1" wrap="square" lIns="121900" tIns="121900" rIns="121900" bIns="121900" anchor="ctr" anchorCtr="0">
+            <a:noAutofit/>
+          </a:bodyPr>
+          <a:lstStyle/>
+          <a:p>
+            <a:r>
+              <a:rPr lang="en-US" sz="4000" b="1" dirty="0">
+                <a:solidFill>
+                  <a:srgbClr val="E46102"/>
+                </a:solidFill>
+              </a:rPr>
+              <a:t>Model Performance</a:t>
+            </a:r>
+            <a:endParaRPr sz="4000" b="1" dirty="0">
+              <a:solidFill>
+                <a:srgbClr val="E46102"/>
+              </a:solidFill>
+            </a:endParaRPr>
+          </a:p>
+        </p:txBody>
+      </p:sp>
+      <p:sp>
+        <p:nvSpPr>
+          <p:cNvPr id="96" name="Google Shape;96;p14"/>
+          <p:cNvSpPr txBox="1"/>
+          <p:nvPr/>
+        </p:nvSpPr>
+        <p:spPr>
+          <a:xfrm>
+            <a:off x="111436" y="1137532"/>
+            <a:ext cx="10140928" cy="5198874"/>
+          </a:xfrm>
+          <a:prstGeom prst="rect">
+            <a:avLst/>
+          </a:prstGeom>
+          <a:noFill/>
+          <a:ln>
+            <a:noFill/>
+          </a:ln>
+        </p:spPr>
+        <p:txBody>
+          <a:bodyPr spcFirstLastPara="1" wrap="square" lIns="121900" tIns="121900" rIns="121900" bIns="121900" anchor="t" anchorCtr="0">
+            <a:noAutofit/>
+          </a:bodyPr>
+          <a:lstStyle/>
+          <a:p>
+            <a:pPr marL="101598">
+              <a:buSzPct val="100000"/>
+            </a:pPr>
+            <a:r>
+              <a:rPr lang="en-US" sz="2000" dirty="0"/>
+              <a:t>5.	Select a Model Performance measure</a:t>
+            </a:r>
+          </a:p>
+          <a:p>
+            <a:pPr marL="1168383" lvl="1" indent="-457200">
+              <a:buSzPct val="100000"/>
+              <a:buFont typeface="+mj-lt"/>
+              <a:buAutoNum type="alphaLcParenR"/>
+            </a:pPr>
+            <a:r>
+              <a:rPr lang="en-US" sz="2000" b="1" dirty="0"/>
+              <a:t>Root mean square error (RMSE) </a:t>
+            </a:r>
+            <a:r>
+              <a:rPr lang="en-US" sz="2000" dirty="0"/>
+              <a:t>– gives you an idea of how much error a system typically makes in its predictions</a:t>
+            </a:r>
+          </a:p>
+          <a:p>
+            <a:pPr marL="1777968" lvl="2" indent="-457200">
+              <a:buSzPct val="100000"/>
+              <a:buFont typeface="Arial" panose="020B0604020202020204" pitchFamily="34" charset="0"/>
+              <a:buChar char="•"/>
+            </a:pPr>
+            <a:r>
+              <a:rPr lang="en-US" sz="2000" dirty="0"/>
+              <a:t>Higher weight for large errors</a:t>
+            </a:r>
+          </a:p>
+          <a:p>
+            <a:pPr marL="1777968" lvl="2" indent="-457200">
+              <a:buSzPct val="100000"/>
+              <a:buFont typeface="Arial" panose="020B0604020202020204" pitchFamily="34" charset="0"/>
+              <a:buChar char="•"/>
+            </a:pPr>
+            <a:endParaRPr lang="en-US" sz="2000" dirty="0"/>
+          </a:p>
+          <a:p>
+            <a:pPr marL="1777968" lvl="2" indent="-457200">
+              <a:buSzPct val="100000"/>
+              <a:buFont typeface="Arial" panose="020B0604020202020204" pitchFamily="34" charset="0"/>
+              <a:buChar char="•"/>
+            </a:pPr>
+            <a:endParaRPr lang="en-US" sz="2000" dirty="0"/>
+          </a:p>
+          <a:p>
+            <a:pPr marL="1777968" lvl="2" indent="-457200">
+              <a:buSzPct val="100000"/>
+              <a:buFont typeface="Arial" panose="020B0604020202020204" pitchFamily="34" charset="0"/>
+              <a:buChar char="•"/>
+            </a:pPr>
+            <a:endParaRPr lang="en-US" sz="2000" dirty="0"/>
+          </a:p>
+          <a:p>
+            <a:pPr marL="1777968" lvl="2" indent="-457200">
+              <a:buSzPct val="100000"/>
+              <a:buFont typeface="Arial" panose="020B0604020202020204" pitchFamily="34" charset="0"/>
+              <a:buChar char="•"/>
+            </a:pPr>
+            <a:endParaRPr lang="en-US" sz="2000" dirty="0"/>
+          </a:p>
+          <a:p>
+            <a:pPr marL="1777968" lvl="2" indent="-457200">
+              <a:buSzPct val="100000"/>
+              <a:buFont typeface="Arial" panose="020B0604020202020204" pitchFamily="34" charset="0"/>
+              <a:buChar char="•"/>
+            </a:pPr>
+            <a:r>
+              <a:rPr lang="en-US" sz="2000" dirty="0"/>
+              <a:t>where, </a:t>
+            </a:r>
+            <a:r>
+              <a:rPr lang="en-US" sz="2000" i="1" dirty="0"/>
+              <a:t>m</a:t>
+            </a:r>
+            <a:r>
+              <a:rPr lang="en-US" sz="2000" dirty="0"/>
+              <a:t> is the number of instances in the dataset you’re measuring the RMSE on,</a:t>
+            </a:r>
+          </a:p>
+          <a:p>
+            <a:pPr marL="1777968" lvl="2" indent="-457200">
+              <a:buSzPct val="100000"/>
+              <a:buFont typeface="Arial" panose="020B0604020202020204" pitchFamily="34" charset="0"/>
+              <a:buChar char="•"/>
+            </a:pPr>
+            <a:r>
+              <a:rPr lang="en-US" sz="2000" b="1" dirty="0"/>
+              <a:t>x</a:t>
+            </a:r>
+            <a:r>
+              <a:rPr lang="en-US" sz="2000" i="1" baseline="30000" dirty="0"/>
+              <a:t>(</a:t>
+            </a:r>
+            <a:r>
+              <a:rPr lang="en-US" sz="2000" i="1" baseline="30000" dirty="0" err="1"/>
+              <a:t>i</a:t>
+            </a:r>
+            <a:r>
+              <a:rPr lang="en-US" sz="2000" i="1" baseline="30000" dirty="0"/>
+              <a:t>)</a:t>
+            </a:r>
+            <a:r>
+              <a:rPr lang="en-US" sz="2000" dirty="0"/>
+              <a:t> is a vector of all the feature values (excluding the label) of the </a:t>
+            </a:r>
+            <a:r>
+              <a:rPr lang="en-US" sz="2000" i="1" dirty="0" err="1"/>
+              <a:t>i</a:t>
+            </a:r>
+            <a:r>
+              <a:rPr lang="en-US" sz="2000" i="1" baseline="30000" dirty="0" err="1"/>
+              <a:t>th</a:t>
+            </a:r>
+            <a:r>
+              <a:rPr lang="en-US" sz="2000" dirty="0"/>
+              <a:t> instance in the dataset, and </a:t>
+            </a:r>
+            <a:r>
+              <a:rPr lang="en-US" sz="2000" b="1" dirty="0"/>
+              <a:t>y</a:t>
+            </a:r>
+            <a:r>
+              <a:rPr lang="en-US" sz="2000" i="1" baseline="30000" dirty="0"/>
+              <a:t>(</a:t>
+            </a:r>
+            <a:r>
+              <a:rPr lang="en-US" sz="2000" i="1" baseline="30000" dirty="0" err="1"/>
+              <a:t>i</a:t>
+            </a:r>
+            <a:r>
+              <a:rPr lang="en-US" sz="2000" i="1" baseline="30000" dirty="0"/>
+              <a:t>)</a:t>
+            </a:r>
+            <a:r>
+              <a:rPr lang="en-US" sz="2000" dirty="0"/>
+              <a:t> is its label (the desired output value for that instance).</a:t>
+            </a:r>
+          </a:p>
+          <a:p>
+            <a:pPr marL="1777968" lvl="2" indent="-457200">
+              <a:buSzPct val="100000"/>
+              <a:buFont typeface="Arial" panose="020B0604020202020204" pitchFamily="34" charset="0"/>
+              <a:buChar char="•"/>
+            </a:pPr>
+            <a:r>
+              <a:rPr lang="en-US" sz="2000" b="1" dirty="0"/>
+              <a:t>X</a:t>
+            </a:r>
+            <a:r>
+              <a:rPr lang="en-US" sz="2000" dirty="0"/>
+              <a:t> is a matrix containing all the feature values (excluding labels) of all instances in the dataset.</a:t>
+            </a:r>
+            <a:endParaRPr lang="en-US" sz="2000" baseline="30000" dirty="0"/>
+          </a:p>
+          <a:p>
+            <a:pPr marL="1777968" lvl="2" indent="-457200">
+              <a:buSzPct val="100000"/>
+              <a:buFont typeface="Arial" panose="020B0604020202020204" pitchFamily="34" charset="0"/>
+              <a:buChar char="•"/>
+            </a:pPr>
+            <a:endParaRPr lang="en-US" sz="2000" dirty="0"/>
+          </a:p>
+          <a:p>
+            <a:pPr marL="1777968" lvl="2" indent="-457200">
+              <a:buSzPct val="100000"/>
+              <a:buFont typeface="Arial" panose="020B0604020202020204" pitchFamily="34" charset="0"/>
+              <a:buChar char="•"/>
+            </a:pPr>
+            <a:endParaRPr lang="en-US" sz="2000" dirty="0"/>
+          </a:p>
+          <a:p>
+            <a:pPr marL="1777968" lvl="2" indent="-457200">
+              <a:buSzPct val="100000"/>
+              <a:buFont typeface="+mj-lt"/>
+              <a:buAutoNum type="alphaLcParenR"/>
+            </a:pPr>
+            <a:endParaRPr lang="en-US" sz="2000" dirty="0"/>
+          </a:p>
+          <a:p>
+            <a:pPr marL="101598">
+              <a:buSzPct val="100000"/>
+            </a:pPr>
+            <a:endParaRPr lang="en-US" sz="2000" dirty="0"/>
+          </a:p>
+        </p:txBody>
+      </p:sp>
+      <p:pic>
+        <p:nvPicPr>
+          <p:cNvPr id="3" name="Picture 2">
+            <a:extLst>
+              <a:ext uri="{FF2B5EF4-FFF2-40B4-BE49-F238E27FC236}">
+                <a16:creationId xmlns:a16="http://schemas.microsoft.com/office/drawing/2014/main" id="{90B3C240-79C7-4BC1-AA98-EA345415BDA5}"/>
+              </a:ext>
+            </a:extLst>
+          </p:cNvPr>
+          <p:cNvPicPr>
+            <a:picLocks noChangeAspect="1"/>
+          </p:cNvPicPr>
+          <p:nvPr/>
+        </p:nvPicPr>
+        <p:blipFill>
+          <a:blip r:embed="rId3"/>
+          <a:stretch>
+            <a:fillRect/>
+          </a:stretch>
+        </p:blipFill>
+        <p:spPr>
+          <a:xfrm>
+            <a:off x="2578972" y="2608632"/>
+            <a:ext cx="4451554" cy="988008"/>
+          </a:xfrm>
+          <a:prstGeom prst="rect">
+            <a:avLst/>
+          </a:prstGeom>
+        </p:spPr>
+      </p:pic>
+      <p:pic>
+        <p:nvPicPr>
+          <p:cNvPr id="2" name="Picture 2" descr="Feature matrix and label | Download Scientific Diagram">
+            <a:extLst>
+              <a:ext uri="{FF2B5EF4-FFF2-40B4-BE49-F238E27FC236}">
+                <a16:creationId xmlns:a16="http://schemas.microsoft.com/office/drawing/2014/main" id="{FEBD7C1C-2E4B-7678-18AC-54FFBC443AE1}"/>
+              </a:ext>
+            </a:extLst>
+          </p:cNvPr>
+          <p:cNvPicPr>
+            <a:picLocks noChangeAspect="1" noChangeArrowheads="1"/>
+          </p:cNvPicPr>
+          <p:nvPr/>
+        </p:nvPicPr>
+        <p:blipFill>
+          <a:blip r:embed="rId4">
+            <a:extLst>
+              <a:ext uri="{BEBA8EAE-BF5A-486C-A8C5-ECC9F3942E4B}">
+                <a14:imgProps xmlns:a14="http://schemas.microsoft.com/office/drawing/2010/main">
+                  <a14:imgLayer r:embed="rId5">
+                    <a14:imgEffect>
+                      <a14:sharpenSoften amount="50000"/>
+                    </a14:imgEffect>
+                    <a14:imgEffect>
+                      <a14:saturation sat="66000"/>
+                    </a14:imgEffect>
+                  </a14:imgLayer>
+                </a14:imgProps>
+              </a:ext>
+              <a:ext uri="{28A0092B-C50C-407E-A947-70E740481C1C}">
+                <a14:useLocalDpi xmlns:a14="http://schemas.microsoft.com/office/drawing/2010/main" val="0"/>
+              </a:ext>
+            </a:extLst>
+          </a:blip>
+          <a:srcRect/>
+          <a:stretch>
+            <a:fillRect/>
+          </a:stretch>
+        </p:blipFill>
+        <p:spPr bwMode="auto">
+          <a:xfrm>
+            <a:off x="10033425" y="951012"/>
+            <a:ext cx="2036358" cy="2151624"/>
+          </a:xfrm>
+          <a:prstGeom prst="rect">
+            <a:avLst/>
+          </a:prstGeom>
+          <a:noFill/>
+          <a:extLst>
+            <a:ext uri="{909E8E84-426E-40DD-AFC4-6F175D3DCCD1}">
+              <a14:hiddenFill xmlns:a14="http://schemas.microsoft.com/office/drawing/2010/main">
+                <a:solidFill>
+                  <a:srgbClr val="FFFFFF"/>
+                </a:solidFill>
+              </a14:hiddenFill>
+            </a:ext>
+          </a:extLst>
+        </p:spPr>
+      </p:pic>
+    </p:spTree>
+    <p:extLst>
+      <p:ext uri="{BB962C8B-B14F-4D97-AF65-F5344CB8AC3E}">
+        <p14:creationId xmlns:p14="http://schemas.microsoft.com/office/powerpoint/2010/main" val="510638560"/>
+      </p:ext>
+    </p:extLst>
+  </p:cSld>
+  <p:clrMapOvr>
+    <a:masterClrMapping/>
+  </p:clrMapOvr>
+</p:sld>
+</file>
+
+<file path=ppt/slides/slide43.xml><?xml version="1.0" encoding="utf-8"?>
 <p:sld xmlns:a="http://schemas.openxmlformats.org/drawingml/2006/main" xmlns:r="http://schemas.openxmlformats.org/officeDocument/2006/relationships" xmlns:p="http://schemas.openxmlformats.org/presentationml/2006/main">
   <p:cSld>
     <p:spTree>
@@ -27752,7 +28923,7 @@
 </p:sld>
 </file>
 
-<file path=ppt/slides/slide41.xml><?xml version="1.0" encoding="utf-8"?>
+<file path=ppt/slides/slide44.xml><?xml version="1.0" encoding="utf-8"?>
 <p:sld xmlns:a="http://schemas.openxmlformats.org/drawingml/2006/main" xmlns:r="http://schemas.openxmlformats.org/officeDocument/2006/relationships" xmlns:p="http://schemas.openxmlformats.org/presentationml/2006/main">
   <p:cSld>
     <p:spTree>
@@ -28264,7 +29435,7 @@
 </p:sld>
 </file>
 
-<file path=ppt/slides/slide42.xml><?xml version="1.0" encoding="utf-8"?>
+<file path=ppt/slides/slide45.xml><?xml version="1.0" encoding="utf-8"?>
 <p:sld xmlns:a="http://schemas.openxmlformats.org/drawingml/2006/main" xmlns:r="http://schemas.openxmlformats.org/officeDocument/2006/relationships" xmlns:p="http://schemas.openxmlformats.org/presentationml/2006/main">
   <p:cSld>
     <p:spTree>
@@ -28325,7 +29496,7 @@
 </p:sld>
 </file>
 
-<file path=ppt/slides/slide43.xml><?xml version="1.0" encoding="utf-8"?>
+<file path=ppt/slides/slide46.xml><?xml version="1.0" encoding="utf-8"?>
 <p:sld xmlns:a="http://schemas.openxmlformats.org/drawingml/2006/main" xmlns:r="http://schemas.openxmlformats.org/officeDocument/2006/relationships" xmlns:p="http://schemas.openxmlformats.org/presentationml/2006/main">
   <p:cSld>
     <p:spTree>
